--- a/1_introduction.pptx
+++ b/1_introduction.pptx
@@ -5,7 +5,7 @@
     <p:sldMasterId id="2147483648" r:id="rId1"/>
   </p:sldMasterIdLst>
   <p:notesMasterIdLst>
-    <p:notesMasterId r:id="rId33"/>
+    <p:notesMasterId r:id="rId34"/>
   </p:notesMasterIdLst>
   <p:sldIdLst>
     <p:sldId id="256" r:id="rId2"/>
@@ -15,30 +15,31 @@
     <p:sldId id="261" r:id="rId6"/>
     <p:sldId id="262" r:id="rId7"/>
     <p:sldId id="269" r:id="rId8"/>
-    <p:sldId id="267" r:id="rId9"/>
-    <p:sldId id="263" r:id="rId10"/>
-    <p:sldId id="257" r:id="rId11"/>
-    <p:sldId id="258" r:id="rId12"/>
-    <p:sldId id="259" r:id="rId13"/>
-    <p:sldId id="270" r:id="rId14"/>
-    <p:sldId id="271" r:id="rId15"/>
-    <p:sldId id="272" r:id="rId16"/>
-    <p:sldId id="273" r:id="rId17"/>
-    <p:sldId id="275" r:id="rId18"/>
-    <p:sldId id="274" r:id="rId19"/>
-    <p:sldId id="276" r:id="rId20"/>
-    <p:sldId id="279" r:id="rId21"/>
-    <p:sldId id="283" r:id="rId22"/>
-    <p:sldId id="280" r:id="rId23"/>
-    <p:sldId id="268" r:id="rId24"/>
-    <p:sldId id="284" r:id="rId25"/>
-    <p:sldId id="282" r:id="rId26"/>
-    <p:sldId id="277" r:id="rId27"/>
-    <p:sldId id="281" r:id="rId28"/>
-    <p:sldId id="266" r:id="rId29"/>
-    <p:sldId id="278" r:id="rId30"/>
-    <p:sldId id="286" r:id="rId31"/>
-    <p:sldId id="285" r:id="rId32"/>
+    <p:sldId id="287" r:id="rId9"/>
+    <p:sldId id="267" r:id="rId10"/>
+    <p:sldId id="263" r:id="rId11"/>
+    <p:sldId id="257" r:id="rId12"/>
+    <p:sldId id="258" r:id="rId13"/>
+    <p:sldId id="259" r:id="rId14"/>
+    <p:sldId id="270" r:id="rId15"/>
+    <p:sldId id="271" r:id="rId16"/>
+    <p:sldId id="272" r:id="rId17"/>
+    <p:sldId id="273" r:id="rId18"/>
+    <p:sldId id="275" r:id="rId19"/>
+    <p:sldId id="274" r:id="rId20"/>
+    <p:sldId id="276" r:id="rId21"/>
+    <p:sldId id="279" r:id="rId22"/>
+    <p:sldId id="283" r:id="rId23"/>
+    <p:sldId id="280" r:id="rId24"/>
+    <p:sldId id="268" r:id="rId25"/>
+    <p:sldId id="284" r:id="rId26"/>
+    <p:sldId id="282" r:id="rId27"/>
+    <p:sldId id="277" r:id="rId28"/>
+    <p:sldId id="281" r:id="rId29"/>
+    <p:sldId id="266" r:id="rId30"/>
+    <p:sldId id="278" r:id="rId31"/>
+    <p:sldId id="286" r:id="rId32"/>
+    <p:sldId id="285" r:id="rId33"/>
   </p:sldIdLst>
   <p:sldSz cx="12192000" cy="6858000"/>
   <p:notesSz cx="6858000" cy="9144000"/>
@@ -230,7 +231,7 @@
           <a:p>
             <a:fld id="{06253CCA-C154-4C2A-AEFE-CC2D929D183B}" type="datetimeFigureOut">
               <a:rPr lang="en-DE" smtClean="0"/>
-              <a:t>06/04/2022</a:t>
+              <a:t>08/04/2022</a:t>
             </a:fld>
             <a:endParaRPr lang="en-DE"/>
           </a:p>
@@ -651,7 +652,7 @@
           <a:p>
             <a:fld id="{ED94CEEB-4757-4CEF-A2B8-DD5B351715CD}" type="datetimeFigureOut">
               <a:rPr lang="en-DE" smtClean="0"/>
-              <a:t>06/04/2022</a:t>
+              <a:t>08/04/2022</a:t>
             </a:fld>
             <a:endParaRPr lang="en-DE"/>
           </a:p>
@@ -902,7 +903,7 @@
           <a:p>
             <a:fld id="{ED94CEEB-4757-4CEF-A2B8-DD5B351715CD}" type="datetimeFigureOut">
               <a:rPr lang="en-DE" smtClean="0"/>
-              <a:t>06/04/2022</a:t>
+              <a:t>08/04/2022</a:t>
             </a:fld>
             <a:endParaRPr lang="en-DE"/>
           </a:p>
@@ -1112,7 +1113,7 @@
           <a:p>
             <a:fld id="{ED94CEEB-4757-4CEF-A2B8-DD5B351715CD}" type="datetimeFigureOut">
               <a:rPr lang="en-DE" smtClean="0"/>
-              <a:t>06/04/2022</a:t>
+              <a:t>08/04/2022</a:t>
             </a:fld>
             <a:endParaRPr lang="en-DE"/>
           </a:p>
@@ -1346,7 +1347,7 @@
           <a:p>
             <a:fld id="{ED94CEEB-4757-4CEF-A2B8-DD5B351715CD}" type="datetimeFigureOut">
               <a:rPr lang="en-DE" smtClean="0"/>
-              <a:t>06/04/2022</a:t>
+              <a:t>08/04/2022</a:t>
             </a:fld>
             <a:endParaRPr lang="en-DE"/>
           </a:p>
@@ -1669,7 +1670,7 @@
           <a:p>
             <a:fld id="{ED94CEEB-4757-4CEF-A2B8-DD5B351715CD}" type="datetimeFigureOut">
               <a:rPr lang="en-DE" smtClean="0"/>
-              <a:t>06/04/2022</a:t>
+              <a:t>08/04/2022</a:t>
             </a:fld>
             <a:endParaRPr lang="en-DE"/>
           </a:p>
@@ -1937,7 +1938,7 @@
           <a:p>
             <a:fld id="{ED94CEEB-4757-4CEF-A2B8-DD5B351715CD}" type="datetimeFigureOut">
               <a:rPr lang="en-DE" smtClean="0"/>
-              <a:t>06/04/2022</a:t>
+              <a:t>08/04/2022</a:t>
             </a:fld>
             <a:endParaRPr lang="en-DE"/>
           </a:p>
@@ -2352,7 +2353,7 @@
           <a:p>
             <a:fld id="{ED94CEEB-4757-4CEF-A2B8-DD5B351715CD}" type="datetimeFigureOut">
               <a:rPr lang="en-DE" smtClean="0"/>
-              <a:t>06/04/2022</a:t>
+              <a:t>08/04/2022</a:t>
             </a:fld>
             <a:endParaRPr lang="en-DE"/>
           </a:p>
@@ -2494,7 +2495,7 @@
           <a:p>
             <a:fld id="{ED94CEEB-4757-4CEF-A2B8-DD5B351715CD}" type="datetimeFigureOut">
               <a:rPr lang="en-DE" smtClean="0"/>
-              <a:t>06/04/2022</a:t>
+              <a:t>08/04/2022</a:t>
             </a:fld>
             <a:endParaRPr lang="en-DE"/>
           </a:p>
@@ -2607,7 +2608,7 @@
           <a:p>
             <a:fld id="{ED94CEEB-4757-4CEF-A2B8-DD5B351715CD}" type="datetimeFigureOut">
               <a:rPr lang="en-DE" smtClean="0"/>
-              <a:t>06/04/2022</a:t>
+              <a:t>08/04/2022</a:t>
             </a:fld>
             <a:endParaRPr lang="en-DE"/>
           </a:p>
@@ -2920,7 +2921,7 @@
           <a:p>
             <a:fld id="{ED94CEEB-4757-4CEF-A2B8-DD5B351715CD}" type="datetimeFigureOut">
               <a:rPr lang="en-DE" smtClean="0"/>
-              <a:t>06/04/2022</a:t>
+              <a:t>08/04/2022</a:t>
             </a:fld>
             <a:endParaRPr lang="en-DE"/>
           </a:p>
@@ -3209,7 +3210,7 @@
           <a:p>
             <a:fld id="{ED94CEEB-4757-4CEF-A2B8-DD5B351715CD}" type="datetimeFigureOut">
               <a:rPr lang="en-DE" smtClean="0"/>
-              <a:t>06/04/2022</a:t>
+              <a:t>08/04/2022</a:t>
             </a:fld>
             <a:endParaRPr lang="en-DE"/>
           </a:p>
@@ -3452,7 +3453,7 @@
           <a:p>
             <a:fld id="{ED94CEEB-4757-4CEF-A2B8-DD5B351715CD}" type="datetimeFigureOut">
               <a:rPr lang="en-DE" smtClean="0"/>
-              <a:t>06/04/2022</a:t>
+              <a:t>08/04/2022</a:t>
             </a:fld>
             <a:endParaRPr lang="en-DE"/>
           </a:p>
@@ -4009,15 +4010,15 @@
           <p:cNvPr id="2" name="Title 1">
             <a:extLst>
               <a:ext uri="{FF2B5EF4-FFF2-40B4-BE49-F238E27FC236}">
-                <a16:creationId xmlns:a16="http://schemas.microsoft.com/office/drawing/2014/main" id="{F7AFF172-55D6-4F4E-A68B-028620CDE4E9}"/>
-              </a:ext>
-            </a:extLst>
-          </p:cNvPr>
-          <p:cNvSpPr>
-            <a:spLocks noGrp="1"/>
-          </p:cNvSpPr>
-          <p:nvPr>
-            <p:ph type="title"/>
+                <a16:creationId xmlns:a16="http://schemas.microsoft.com/office/drawing/2014/main" id="{6432945A-87C5-4CCD-81E3-26BE84631118}"/>
+              </a:ext>
+            </a:extLst>
+          </p:cNvPr>
+          <p:cNvSpPr>
+            <a:spLocks noGrp="1"/>
+          </p:cNvSpPr>
+          <p:nvPr>
+            <p:ph type="ctrTitle"/>
           </p:nvPr>
         </p:nvSpPr>
         <p:spPr/>
@@ -4027,213 +4028,16 @@
           <a:p>
             <a:r>
               <a:rPr lang="en-US" dirty="0"/>
-              <a:t>Learning a rule from (few!) examples</a:t>
+              <a:t>The very idea of a Language of Thought</a:t>
             </a:r>
             <a:endParaRPr lang="en-DE" dirty="0"/>
-          </a:p>
-        </p:txBody>
-      </p:sp>
-      <p:sp>
-        <p:nvSpPr>
-          <p:cNvPr id="3" name="Content Placeholder 2">
-            <a:extLst>
-              <a:ext uri="{FF2B5EF4-FFF2-40B4-BE49-F238E27FC236}">
-                <a16:creationId xmlns:a16="http://schemas.microsoft.com/office/drawing/2014/main" id="{3DE37FB7-D968-427B-85D1-20BC520A77E4}"/>
-              </a:ext>
-            </a:extLst>
-          </p:cNvPr>
-          <p:cNvSpPr>
-            <a:spLocks noGrp="1"/>
-          </p:cNvSpPr>
-          <p:nvPr>
-            <p:ph idx="1"/>
-          </p:nvPr>
-        </p:nvSpPr>
-        <p:spPr>
-          <a:xfrm>
-            <a:off x="838199" y="1825624"/>
-            <a:ext cx="10634221" cy="4702437"/>
-          </a:xfrm>
-        </p:spPr>
-        <p:txBody>
-          <a:bodyPr>
-            <a:normAutofit lnSpcReduction="10000"/>
-          </a:bodyPr>
-          <a:lstStyle/>
-          <a:p>
-            <a:pPr marL="0" indent="0">
-              <a:buNone/>
-            </a:pPr>
-            <a:r>
-              <a:rPr lang="en-US" sz="2400" dirty="0"/>
-              <a:t>Robert Feldman </a:t>
-            </a:r>
-            <a:r>
-              <a:rPr lang="en-US" sz="2400" dirty="0">
-                <a:sym typeface="Wingdings" panose="05000000000000000000" pitchFamily="2" charset="2"/>
-              </a:rPr>
-              <a:t> Dr Feldman</a:t>
-            </a:r>
-          </a:p>
-          <a:p>
-            <a:pPr marL="0" indent="0">
-              <a:buNone/>
-            </a:pPr>
-            <a:r>
-              <a:rPr lang="en-US" sz="2400" dirty="0">
-                <a:sym typeface="Wingdings" panose="05000000000000000000" pitchFamily="2" charset="2"/>
-              </a:rPr>
-              <a:t>Ruth </a:t>
-            </a:r>
-            <a:r>
-              <a:rPr lang="en-US" sz="2400" dirty="0" err="1">
-                <a:sym typeface="Wingdings" panose="05000000000000000000" pitchFamily="2" charset="2"/>
-              </a:rPr>
-              <a:t>Millican</a:t>
-            </a:r>
-            <a:r>
-              <a:rPr lang="en-US" sz="2400" dirty="0">
-                <a:sym typeface="Wingdings" panose="05000000000000000000" pitchFamily="2" charset="2"/>
-              </a:rPr>
-              <a:t>  Dr Millikan</a:t>
-            </a:r>
-          </a:p>
-          <a:p>
-            <a:pPr marL="0" indent="0">
-              <a:buNone/>
-            </a:pPr>
-            <a:r>
-              <a:rPr lang="en-US" sz="2400" dirty="0">
-                <a:sym typeface="Wingdings" panose="05000000000000000000" pitchFamily="2" charset="2"/>
-              </a:rPr>
-              <a:t>Joanna Newsom  ??</a:t>
-            </a:r>
-          </a:p>
-          <a:p>
-            <a:r>
-              <a:rPr lang="en-US" sz="2400" dirty="0" err="1">
-                <a:sym typeface="Wingdings" panose="05000000000000000000" pitchFamily="2" charset="2"/>
-              </a:rPr>
-              <a:t>Dj</a:t>
-            </a:r>
-            <a:r>
-              <a:rPr lang="en-US" sz="2400" dirty="0">
-                <a:sym typeface="Wingdings" panose="05000000000000000000" pitchFamily="2" charset="2"/>
-              </a:rPr>
-              <a:t> Newsom</a:t>
-            </a:r>
-          </a:p>
-          <a:p>
-            <a:pPr marL="0" indent="0">
-              <a:buNone/>
-            </a:pPr>
-            <a:r>
-              <a:rPr lang="en-US" sz="2400" dirty="0">
-                <a:sym typeface="Wingdings" panose="05000000000000000000" pitchFamily="2" charset="2"/>
-              </a:rPr>
-              <a:t>Is the rule “Dr+ +</a:t>
-            </a:r>
-            <a:r>
-              <a:rPr lang="en-US" sz="2400" i="1" dirty="0">
-                <a:sym typeface="Wingdings" panose="05000000000000000000" pitchFamily="2" charset="2"/>
-              </a:rPr>
-              <a:t>last name” </a:t>
-            </a:r>
-            <a:r>
-              <a:rPr lang="en-US" sz="2400" dirty="0">
-                <a:sym typeface="Wingdings" panose="05000000000000000000" pitchFamily="2" charset="2"/>
-              </a:rPr>
-              <a:t>or “</a:t>
-            </a:r>
-            <a:r>
-              <a:rPr lang="en-US" sz="2400" dirty="0" err="1">
-                <a:sym typeface="Wingdings" panose="05000000000000000000" pitchFamily="2" charset="2"/>
-              </a:rPr>
-              <a:t>D+</a:t>
-            </a:r>
-            <a:r>
-              <a:rPr lang="en-US" sz="2400" i="1" dirty="0" err="1">
-                <a:sym typeface="Wingdings" panose="05000000000000000000" pitchFamily="2" charset="2"/>
-              </a:rPr>
-              <a:t>first</a:t>
-            </a:r>
-            <a:r>
-              <a:rPr lang="en-US" sz="2400" i="1" dirty="0">
-                <a:sym typeface="Wingdings" panose="05000000000000000000" pitchFamily="2" charset="2"/>
-              </a:rPr>
-              <a:t> letter of first name+ + last name</a:t>
-            </a:r>
-            <a:r>
-              <a:rPr lang="en-US" sz="2400" dirty="0">
-                <a:sym typeface="Wingdings" panose="05000000000000000000" pitchFamily="2" charset="2"/>
-              </a:rPr>
-              <a:t>”?</a:t>
-            </a:r>
-          </a:p>
-          <a:p>
-            <a:endParaRPr lang="en-US" dirty="0">
-              <a:sym typeface="Wingdings" panose="05000000000000000000" pitchFamily="2" charset="2"/>
-            </a:endParaRPr>
-          </a:p>
-          <a:p>
-            <a:pPr marL="0" indent="0">
-              <a:buNone/>
-            </a:pPr>
-            <a:r>
-              <a:rPr lang="en-US" sz="2400" dirty="0">
-                <a:sym typeface="Wingdings" panose="05000000000000000000" pitchFamily="2" charset="2"/>
-              </a:rPr>
-              <a:t>6 @ 2 = 12</a:t>
-            </a:r>
-          </a:p>
-          <a:p>
-            <a:pPr marL="0" indent="0">
-              <a:buNone/>
-            </a:pPr>
-            <a:r>
-              <a:rPr lang="en-US" dirty="0">
-                <a:sym typeface="Wingdings" panose="05000000000000000000" pitchFamily="2" charset="2"/>
-              </a:rPr>
-              <a:t>3 @ 4 = 12</a:t>
-            </a:r>
-          </a:p>
-          <a:p>
-            <a:pPr marL="0" indent="0">
-              <a:buNone/>
-            </a:pPr>
-            <a:r>
-              <a:rPr lang="en-US" sz="2400" dirty="0">
-                <a:sym typeface="Wingdings" panose="05000000000000000000" pitchFamily="2" charset="2"/>
-              </a:rPr>
-              <a:t>10 @ 2 = ??</a:t>
-            </a:r>
-          </a:p>
-          <a:p>
-            <a:r>
-              <a:rPr lang="en-US" sz="2400" dirty="0">
-                <a:sym typeface="Wingdings" panose="05000000000000000000" pitchFamily="2" charset="2"/>
-              </a:rPr>
-              <a:t>12</a:t>
-            </a:r>
-          </a:p>
-          <a:p>
-            <a:pPr marL="0" indent="0">
-              <a:buNone/>
-            </a:pPr>
-            <a:r>
-              <a:rPr lang="en-US" dirty="0">
-                <a:sym typeface="Wingdings" panose="05000000000000000000" pitchFamily="2" charset="2"/>
-              </a:rPr>
-              <a:t>Does @ express multiplication or does it simply say to return 12?</a:t>
-            </a:r>
-            <a:endParaRPr lang="en-US" sz="2400" dirty="0"/>
           </a:p>
         </p:txBody>
       </p:sp>
     </p:spTree>
     <p:extLst>
       <p:ext uri="{BB962C8B-B14F-4D97-AF65-F5344CB8AC3E}">
-        <p14:creationId xmlns:p14="http://schemas.microsoft.com/office/powerpoint/2010/main" val="3728658625"/>
+        <p14:creationId xmlns:p14="http://schemas.microsoft.com/office/powerpoint/2010/main" val="2440136080"/>
       </p:ext>
     </p:extLst>
   </p:cSld>
@@ -4265,7 +4069,7 @@
           <p:cNvPr id="2" name="Title 1">
             <a:extLst>
               <a:ext uri="{FF2B5EF4-FFF2-40B4-BE49-F238E27FC236}">
-                <a16:creationId xmlns:a16="http://schemas.microsoft.com/office/drawing/2014/main" id="{983CDAD1-E307-4017-8CD5-A695D168EA2A}"/>
+                <a16:creationId xmlns:a16="http://schemas.microsoft.com/office/drawing/2014/main" id="{F7AFF172-55D6-4F4E-A68B-028620CDE4E9}"/>
               </a:ext>
             </a:extLst>
           </p:cNvPr>
@@ -4294,7 +4098,7 @@
           <p:cNvPr id="3" name="Content Placeholder 2">
             <a:extLst>
               <a:ext uri="{FF2B5EF4-FFF2-40B4-BE49-F238E27FC236}">
-                <a16:creationId xmlns:a16="http://schemas.microsoft.com/office/drawing/2014/main" id="{80CC3EB4-FADD-43FB-AEEB-C6810C18F5DC}"/>
+                <a16:creationId xmlns:a16="http://schemas.microsoft.com/office/drawing/2014/main" id="{3DE37FB7-D968-427B-85D1-20BC520A77E4}"/>
               </a:ext>
             </a:extLst>
           </p:cNvPr>
@@ -4305,10 +4109,15 @@
             <p:ph idx="1"/>
           </p:nvPr>
         </p:nvSpPr>
-        <p:spPr/>
+        <p:spPr>
+          <a:xfrm>
+            <a:off x="838199" y="1825624"/>
+            <a:ext cx="10634221" cy="4702437"/>
+          </a:xfrm>
+        </p:spPr>
         <p:txBody>
           <a:bodyPr>
-            <a:normAutofit fontScale="85000" lnSpcReduction="10000"/>
+            <a:normAutofit lnSpcReduction="10000"/>
           </a:bodyPr>
           <a:lstStyle/>
           <a:p>
@@ -4316,68 +4125,175 @@
               <a:buNone/>
             </a:pPr>
             <a:r>
-              <a:rPr lang="en-US" dirty="0"/>
-              <a:t>This is our paradox: </a:t>
-            </a:r>
-            <a:r>
-              <a:rPr lang="en-US" i="1" dirty="0"/>
-              <a:t>no course of action could be determined by a rule, because every course of action can be made out to accord with the rule</a:t>
-            </a:r>
-            <a:r>
-              <a:rPr lang="en-US" dirty="0"/>
-              <a:t>. The answer is: if everything can be made out to accord with the rule, then it can also be made out to conflict with it.</a:t>
-            </a:r>
-          </a:p>
-          <a:p>
-            <a:pPr marL="0" indent="0" algn="r">
-              <a:buNone/>
-            </a:pPr>
-            <a:r>
-              <a:rPr lang="en-US" dirty="0"/>
-              <a:t>Ludwig Wittgenstein, Philosophical Investigations, </a:t>
-            </a:r>
-            <a:r>
-              <a:rPr lang="en-GB" dirty="0"/>
-              <a:t>§201</a:t>
-            </a:r>
-            <a:endParaRPr lang="en-US" dirty="0"/>
-          </a:p>
-          <a:p>
-            <a:r>
-              <a:rPr lang="en-US" dirty="0"/>
-              <a:t>Pretty unclear what this means but it sounds great and it’s something to think about.</a:t>
-            </a:r>
-          </a:p>
-          <a:p>
-            <a:endParaRPr lang="en-US" dirty="0"/>
+              <a:rPr lang="en-US" sz="2400" dirty="0"/>
+              <a:t>Robert Feldman </a:t>
+            </a:r>
+            <a:r>
+              <a:rPr lang="en-US" sz="2400" dirty="0">
+                <a:sym typeface="Wingdings" panose="05000000000000000000" pitchFamily="2" charset="2"/>
+              </a:rPr>
+              <a:t> Dr Feldman</a:t>
+            </a:r>
           </a:p>
           <a:p>
             <a:pPr marL="0" indent="0">
               <a:buNone/>
             </a:pPr>
             <a:r>
-              <a:rPr lang="en-US" dirty="0"/>
-              <a:t>Albeit its prosperity, current AI techniques cannot rapidly generalize from a few examples. […] successful AI applications rely on learning from large-scale data. In contrast, humans are capable of learning new tasks rapidly by utilizing what they learned in the past. For example, a child who learned how to add can rapidly transfer his knowledge to learn multiplication given a few examples (e.g., 2 × 3 = 2 + 2 + 2 and 1 × 3 = 1 + 1 + 1). Another example is that given a few photos of a stranger, a child can easily identify the same person from a large number of photos.</a:t>
-            </a:r>
-          </a:p>
-          <a:p>
-            <a:pPr marL="0" indent="0" algn="r">
+              <a:rPr lang="en-US" sz="2400" dirty="0">
+                <a:sym typeface="Wingdings" panose="05000000000000000000" pitchFamily="2" charset="2"/>
+              </a:rPr>
+              <a:t>Ruth </a:t>
+            </a:r>
+            <a:r>
+              <a:rPr lang="en-US" sz="2400" dirty="0" err="1">
+                <a:sym typeface="Wingdings" panose="05000000000000000000" pitchFamily="2" charset="2"/>
+              </a:rPr>
+              <a:t>Millican</a:t>
+            </a:r>
+            <a:r>
+              <a:rPr lang="en-US" sz="2400" dirty="0">
+                <a:sym typeface="Wingdings" panose="05000000000000000000" pitchFamily="2" charset="2"/>
+              </a:rPr>
+              <a:t>  Dr Millikan</a:t>
+            </a:r>
+          </a:p>
+          <a:p>
+            <a:pPr marL="0" indent="0">
               <a:buNone/>
             </a:pPr>
             <a:r>
-              <a:rPr lang="en-US" dirty="0"/>
-              <a:t>Wang et al (2020), “Generalizing from a Few Examples: A Survey on Few-Shot Learning”</a:t>
-            </a:r>
-          </a:p>
-          <a:p>
-            <a:endParaRPr lang="en-DE" dirty="0"/>
+              <a:rPr lang="en-US" sz="2400" dirty="0">
+                <a:sym typeface="Wingdings" panose="05000000000000000000" pitchFamily="2" charset="2"/>
+              </a:rPr>
+              <a:t>Joanna Newsom  ??</a:t>
+            </a:r>
+          </a:p>
+          <a:p>
+            <a:r>
+              <a:rPr lang="en-US" sz="2400" dirty="0" err="1">
+                <a:sym typeface="Wingdings" panose="05000000000000000000" pitchFamily="2" charset="2"/>
+              </a:rPr>
+              <a:t>Dj</a:t>
+            </a:r>
+            <a:r>
+              <a:rPr lang="en-US" sz="2400" dirty="0">
+                <a:sym typeface="Wingdings" panose="05000000000000000000" pitchFamily="2" charset="2"/>
+              </a:rPr>
+              <a:t> Newsom</a:t>
+            </a:r>
+          </a:p>
+          <a:p>
+            <a:pPr marL="0" indent="0">
+              <a:buNone/>
+            </a:pPr>
+            <a:r>
+              <a:rPr lang="en-US" sz="2400" dirty="0">
+                <a:sym typeface="Wingdings" panose="05000000000000000000" pitchFamily="2" charset="2"/>
+              </a:rPr>
+              <a:t>Is the rule “Dr+ +</a:t>
+            </a:r>
+            <a:r>
+              <a:rPr lang="en-US" sz="2400" i="1" dirty="0">
+                <a:sym typeface="Wingdings" panose="05000000000000000000" pitchFamily="2" charset="2"/>
+              </a:rPr>
+              <a:t>last name” </a:t>
+            </a:r>
+            <a:r>
+              <a:rPr lang="en-US" sz="2400" dirty="0">
+                <a:sym typeface="Wingdings" panose="05000000000000000000" pitchFamily="2" charset="2"/>
+              </a:rPr>
+              <a:t>or “</a:t>
+            </a:r>
+            <a:r>
+              <a:rPr lang="en-US" sz="2400" dirty="0" err="1">
+                <a:sym typeface="Wingdings" panose="05000000000000000000" pitchFamily="2" charset="2"/>
+              </a:rPr>
+              <a:t>D+</a:t>
+            </a:r>
+            <a:r>
+              <a:rPr lang="en-US" sz="2400" i="1" dirty="0" err="1">
+                <a:sym typeface="Wingdings" panose="05000000000000000000" pitchFamily="2" charset="2"/>
+              </a:rPr>
+              <a:t>first</a:t>
+            </a:r>
+            <a:r>
+              <a:rPr lang="en-US" sz="2400" i="1" dirty="0">
+                <a:sym typeface="Wingdings" panose="05000000000000000000" pitchFamily="2" charset="2"/>
+              </a:rPr>
+              <a:t> letter of first name+ + last name</a:t>
+            </a:r>
+            <a:r>
+              <a:rPr lang="en-US" sz="2400" dirty="0">
+                <a:sym typeface="Wingdings" panose="05000000000000000000" pitchFamily="2" charset="2"/>
+              </a:rPr>
+              <a:t>”?</a:t>
+            </a:r>
+          </a:p>
+          <a:p>
+            <a:endParaRPr lang="en-US" dirty="0">
+              <a:sym typeface="Wingdings" panose="05000000000000000000" pitchFamily="2" charset="2"/>
+            </a:endParaRPr>
+          </a:p>
+          <a:p>
+            <a:pPr marL="0" indent="0">
+              <a:buNone/>
+            </a:pPr>
+            <a:r>
+              <a:rPr lang="en-US" sz="2400" dirty="0">
+                <a:sym typeface="Wingdings" panose="05000000000000000000" pitchFamily="2" charset="2"/>
+              </a:rPr>
+              <a:t>6 @ 2 = 12</a:t>
+            </a:r>
+          </a:p>
+          <a:p>
+            <a:pPr marL="0" indent="0">
+              <a:buNone/>
+            </a:pPr>
+            <a:r>
+              <a:rPr lang="en-US" dirty="0">
+                <a:sym typeface="Wingdings" panose="05000000000000000000" pitchFamily="2" charset="2"/>
+              </a:rPr>
+              <a:t>3 @ 4 = 12</a:t>
+            </a:r>
+          </a:p>
+          <a:p>
+            <a:pPr marL="0" indent="0">
+              <a:buNone/>
+            </a:pPr>
+            <a:r>
+              <a:rPr lang="en-US" sz="2400" dirty="0">
+                <a:sym typeface="Wingdings" panose="05000000000000000000" pitchFamily="2" charset="2"/>
+              </a:rPr>
+              <a:t>10 @ 2 = ??</a:t>
+            </a:r>
+          </a:p>
+          <a:p>
+            <a:r>
+              <a:rPr lang="en-US" sz="2400" dirty="0">
+                <a:sym typeface="Wingdings" panose="05000000000000000000" pitchFamily="2" charset="2"/>
+              </a:rPr>
+              <a:t>12</a:t>
+            </a:r>
+          </a:p>
+          <a:p>
+            <a:pPr marL="0" indent="0">
+              <a:buNone/>
+            </a:pPr>
+            <a:r>
+              <a:rPr lang="en-US" dirty="0">
+                <a:sym typeface="Wingdings" panose="05000000000000000000" pitchFamily="2" charset="2"/>
+              </a:rPr>
+              <a:t>Does @ express multiplication or does it simply say to return 12?</a:t>
+            </a:r>
+            <a:endParaRPr lang="en-US" sz="2400" dirty="0"/>
           </a:p>
         </p:txBody>
       </p:sp>
     </p:spTree>
     <p:extLst>
       <p:ext uri="{BB962C8B-B14F-4D97-AF65-F5344CB8AC3E}">
-        <p14:creationId xmlns:p14="http://schemas.microsoft.com/office/powerpoint/2010/main" val="1170123964"/>
+        <p14:creationId xmlns:p14="http://schemas.microsoft.com/office/powerpoint/2010/main" val="3728658625"/>
       </p:ext>
     </p:extLst>
   </p:cSld>
@@ -4409,6 +4325,150 @@
           <p:cNvPr id="2" name="Title 1">
             <a:extLst>
               <a:ext uri="{FF2B5EF4-FFF2-40B4-BE49-F238E27FC236}">
+                <a16:creationId xmlns:a16="http://schemas.microsoft.com/office/drawing/2014/main" id="{983CDAD1-E307-4017-8CD5-A695D168EA2A}"/>
+              </a:ext>
+            </a:extLst>
+          </p:cNvPr>
+          <p:cNvSpPr>
+            <a:spLocks noGrp="1"/>
+          </p:cNvSpPr>
+          <p:nvPr>
+            <p:ph type="title"/>
+          </p:nvPr>
+        </p:nvSpPr>
+        <p:spPr/>
+        <p:txBody>
+          <a:bodyPr/>
+          <a:lstStyle/>
+          <a:p>
+            <a:r>
+              <a:rPr lang="en-US" dirty="0"/>
+              <a:t>Learning a rule from (few!) examples</a:t>
+            </a:r>
+            <a:endParaRPr lang="en-DE" dirty="0"/>
+          </a:p>
+        </p:txBody>
+      </p:sp>
+      <p:sp>
+        <p:nvSpPr>
+          <p:cNvPr id="3" name="Content Placeholder 2">
+            <a:extLst>
+              <a:ext uri="{FF2B5EF4-FFF2-40B4-BE49-F238E27FC236}">
+                <a16:creationId xmlns:a16="http://schemas.microsoft.com/office/drawing/2014/main" id="{80CC3EB4-FADD-43FB-AEEB-C6810C18F5DC}"/>
+              </a:ext>
+            </a:extLst>
+          </p:cNvPr>
+          <p:cNvSpPr>
+            <a:spLocks noGrp="1"/>
+          </p:cNvSpPr>
+          <p:nvPr>
+            <p:ph idx="1"/>
+          </p:nvPr>
+        </p:nvSpPr>
+        <p:spPr/>
+        <p:txBody>
+          <a:bodyPr>
+            <a:normAutofit fontScale="85000" lnSpcReduction="10000"/>
+          </a:bodyPr>
+          <a:lstStyle/>
+          <a:p>
+            <a:pPr marL="0" indent="0">
+              <a:buNone/>
+            </a:pPr>
+            <a:r>
+              <a:rPr lang="en-US" dirty="0"/>
+              <a:t>This is our paradox: </a:t>
+            </a:r>
+            <a:r>
+              <a:rPr lang="en-US" i="1" dirty="0"/>
+              <a:t>no course of action could be determined by a rule, because every course of action can be made out to accord with the rule</a:t>
+            </a:r>
+            <a:r>
+              <a:rPr lang="en-US" dirty="0"/>
+              <a:t>. The answer is: if everything can be made out to accord with the rule, then it can also be made out to conflict with it.</a:t>
+            </a:r>
+          </a:p>
+          <a:p>
+            <a:pPr marL="0" indent="0" algn="r">
+              <a:buNone/>
+            </a:pPr>
+            <a:r>
+              <a:rPr lang="en-US" dirty="0"/>
+              <a:t>Ludwig Wittgenstein, Philosophical Investigations, </a:t>
+            </a:r>
+            <a:r>
+              <a:rPr lang="en-GB" dirty="0"/>
+              <a:t>§201</a:t>
+            </a:r>
+            <a:endParaRPr lang="en-US" dirty="0"/>
+          </a:p>
+          <a:p>
+            <a:r>
+              <a:rPr lang="en-US" dirty="0"/>
+              <a:t>Pretty unclear what this means but it sounds great and it’s something to think about.</a:t>
+            </a:r>
+          </a:p>
+          <a:p>
+            <a:endParaRPr lang="en-US" dirty="0"/>
+          </a:p>
+          <a:p>
+            <a:pPr marL="0" indent="0">
+              <a:buNone/>
+            </a:pPr>
+            <a:r>
+              <a:rPr lang="en-US" dirty="0"/>
+              <a:t>Albeit its prosperity, current AI techniques cannot rapidly generalize from a few examples. […] successful AI applications rely on learning from large-scale data. In contrast, humans are capable of learning new tasks rapidly by utilizing what they learned in the past. For example, a child who learned how to add can rapidly transfer his knowledge to learn multiplication given a few examples (e.g., 2 × 3 = 2 + 2 + 2 and 1 × 3 = 1 + 1 + 1). Another example is that given a few photos of a stranger, a child can easily identify the same person from a large number of photos.</a:t>
+            </a:r>
+          </a:p>
+          <a:p>
+            <a:pPr marL="0" indent="0" algn="r">
+              <a:buNone/>
+            </a:pPr>
+            <a:r>
+              <a:rPr lang="en-US" dirty="0"/>
+              <a:t>Wang et al (2020), “Generalizing from a Few Examples: A Survey on Few-Shot Learning”</a:t>
+            </a:r>
+          </a:p>
+          <a:p>
+            <a:endParaRPr lang="en-DE" dirty="0"/>
+          </a:p>
+        </p:txBody>
+      </p:sp>
+    </p:spTree>
+    <p:extLst>
+      <p:ext uri="{BB962C8B-B14F-4D97-AF65-F5344CB8AC3E}">
+        <p14:creationId xmlns:p14="http://schemas.microsoft.com/office/powerpoint/2010/main" val="1170123964"/>
+      </p:ext>
+    </p:extLst>
+  </p:cSld>
+  <p:clrMapOvr>
+    <a:masterClrMapping/>
+  </p:clrMapOvr>
+</p:sld>
+</file>
+
+<file path=ppt/slides/slide13.xml><?xml version="1.0" encoding="utf-8"?>
+<p:sld xmlns:a="http://schemas.openxmlformats.org/drawingml/2006/main" xmlns:r="http://schemas.openxmlformats.org/officeDocument/2006/relationships" xmlns:p="http://schemas.openxmlformats.org/presentationml/2006/main">
+  <p:cSld>
+    <p:spTree>
+      <p:nvGrpSpPr>
+        <p:cNvPr id="1" name=""/>
+        <p:cNvGrpSpPr/>
+        <p:nvPr/>
+      </p:nvGrpSpPr>
+      <p:grpSpPr>
+        <a:xfrm>
+          <a:off x="0" y="0"/>
+          <a:ext cx="0" cy="0"/>
+          <a:chOff x="0" y="0"/>
+          <a:chExt cx="0" cy="0"/>
+        </a:xfrm>
+      </p:grpSpPr>
+      <p:sp>
+        <p:nvSpPr>
+          <p:cNvPr id="2" name="Title 1">
+            <a:extLst>
+              <a:ext uri="{FF2B5EF4-FFF2-40B4-BE49-F238E27FC236}">
                 <a16:creationId xmlns:a16="http://schemas.microsoft.com/office/drawing/2014/main" id="{13093A06-FB0A-47D0-B183-24EEDBF24DAE}"/>
               </a:ext>
             </a:extLst>
@@ -4533,7 +4593,7 @@
 </p:sld>
 </file>
 
-<file path=ppt/slides/slide13.xml><?xml version="1.0" encoding="utf-8"?>
+<file path=ppt/slides/slide14.xml><?xml version="1.0" encoding="utf-8"?>
 <p:sld xmlns:a="http://schemas.openxmlformats.org/drawingml/2006/main" xmlns:r="http://schemas.openxmlformats.org/officeDocument/2006/relationships" xmlns:p="http://schemas.openxmlformats.org/presentationml/2006/main">
   <p:cSld>
     <p:spTree>
@@ -5198,7 +5258,7 @@
 </p:sld>
 </file>
 
-<file path=ppt/slides/slide14.xml><?xml version="1.0" encoding="utf-8"?>
+<file path=ppt/slides/slide15.xml><?xml version="1.0" encoding="utf-8"?>
 <p:sld xmlns:a="http://schemas.openxmlformats.org/drawingml/2006/main" xmlns:r="http://schemas.openxmlformats.org/officeDocument/2006/relationships" xmlns:p="http://schemas.openxmlformats.org/presentationml/2006/main">
   <p:cSld>
     <p:spTree>
@@ -5705,7 +5765,7 @@
 </p:sld>
 </file>
 
-<file path=ppt/slides/slide15.xml><?xml version="1.0" encoding="utf-8"?>
+<file path=ppt/slides/slide16.xml><?xml version="1.0" encoding="utf-8"?>
 <p:sld xmlns:a="http://schemas.openxmlformats.org/drawingml/2006/main" xmlns:r="http://schemas.openxmlformats.org/officeDocument/2006/relationships" xmlns:p="http://schemas.openxmlformats.org/presentationml/2006/main">
   <p:cSld>
     <p:spTree>
@@ -6270,7 +6330,7 @@
 </p:sld>
 </file>
 
-<file path=ppt/slides/slide16.xml><?xml version="1.0" encoding="utf-8"?>
+<file path=ppt/slides/slide17.xml><?xml version="1.0" encoding="utf-8"?>
 <p:sld xmlns:a="http://schemas.openxmlformats.org/drawingml/2006/main" xmlns:r="http://schemas.openxmlformats.org/officeDocument/2006/relationships" xmlns:p="http://schemas.openxmlformats.org/presentationml/2006/main">
   <p:cSld>
     <p:spTree>
@@ -6780,7 +6840,7 @@
 </p:sld>
 </file>
 
-<file path=ppt/slides/slide17.xml><?xml version="1.0" encoding="utf-8"?>
+<file path=ppt/slides/slide18.xml><?xml version="1.0" encoding="utf-8"?>
 <p:sld xmlns:a="http://schemas.openxmlformats.org/drawingml/2006/main" xmlns:r="http://schemas.openxmlformats.org/officeDocument/2006/relationships" xmlns:p="http://schemas.openxmlformats.org/presentationml/2006/main">
   <p:cSld>
     <p:spTree>
@@ -7542,7 +7602,7 @@
 </p:sld>
 </file>
 
-<file path=ppt/slides/slide18.xml><?xml version="1.0" encoding="utf-8"?>
+<file path=ppt/slides/slide19.xml><?xml version="1.0" encoding="utf-8"?>
 <p:sld xmlns:a="http://schemas.openxmlformats.org/drawingml/2006/main" xmlns:r="http://schemas.openxmlformats.org/officeDocument/2006/relationships" xmlns:p="http://schemas.openxmlformats.org/presentationml/2006/main">
   <p:cSld>
     <p:spTree>
@@ -8086,170 +8146,6 @@
 </p:sld>
 </file>
 
-<file path=ppt/slides/slide19.xml><?xml version="1.0" encoding="utf-8"?>
-<p:sld xmlns:a="http://schemas.openxmlformats.org/drawingml/2006/main" xmlns:r="http://schemas.openxmlformats.org/officeDocument/2006/relationships" xmlns:p="http://schemas.openxmlformats.org/presentationml/2006/main">
-  <p:cSld>
-    <p:spTree>
-      <p:nvGrpSpPr>
-        <p:cNvPr id="1" name=""/>
-        <p:cNvGrpSpPr/>
-        <p:nvPr/>
-      </p:nvGrpSpPr>
-      <p:grpSpPr>
-        <a:xfrm>
-          <a:off x="0" y="0"/>
-          <a:ext cx="0" cy="0"/>
-          <a:chOff x="0" y="0"/>
-          <a:chExt cx="0" cy="0"/>
-        </a:xfrm>
-      </p:grpSpPr>
-      <p:sp>
-        <p:nvSpPr>
-          <p:cNvPr id="2" name="Title 1">
-            <a:extLst>
-              <a:ext uri="{FF2B5EF4-FFF2-40B4-BE49-F238E27FC236}">
-                <a16:creationId xmlns:a16="http://schemas.microsoft.com/office/drawing/2014/main" id="{35BCE469-0952-4B1D-BFA4-3DBBA3E083D4}"/>
-              </a:ext>
-            </a:extLst>
-          </p:cNvPr>
-          <p:cNvSpPr>
-            <a:spLocks noGrp="1"/>
-          </p:cNvSpPr>
-          <p:nvPr>
-            <p:ph type="title"/>
-          </p:nvPr>
-        </p:nvSpPr>
-        <p:spPr/>
-        <p:txBody>
-          <a:bodyPr/>
-          <a:lstStyle/>
-          <a:p>
-            <a:r>
-              <a:rPr lang="en-US" dirty="0"/>
-              <a:t>Mental representation</a:t>
-            </a:r>
-            <a:endParaRPr lang="en-DE" dirty="0"/>
-          </a:p>
-        </p:txBody>
-      </p:sp>
-      <p:sp>
-        <p:nvSpPr>
-          <p:cNvPr id="3" name="Content Placeholder 2">
-            <a:extLst>
-              <a:ext uri="{FF2B5EF4-FFF2-40B4-BE49-F238E27FC236}">
-                <a16:creationId xmlns:a16="http://schemas.microsoft.com/office/drawing/2014/main" id="{88F006DB-75F9-4B71-A373-418A32FEC563}"/>
-              </a:ext>
-            </a:extLst>
-          </p:cNvPr>
-          <p:cNvSpPr>
-            <a:spLocks noGrp="1"/>
-          </p:cNvSpPr>
-          <p:nvPr>
-            <p:ph idx="1"/>
-          </p:nvPr>
-        </p:nvSpPr>
-        <p:spPr/>
-        <p:txBody>
-          <a:bodyPr>
-            <a:normAutofit fontScale="92500"/>
-          </a:bodyPr>
-          <a:lstStyle/>
-          <a:p>
-            <a:pPr marL="0" indent="0">
-              <a:buNone/>
-            </a:pPr>
-            <a:r>
-              <a:rPr lang="en-US" dirty="0"/>
-              <a:t>Assume that we can cook up some plausible functional account of believes* </a:t>
-            </a:r>
-          </a:p>
-          <a:p>
-            <a:pPr marL="0" indent="0">
-              <a:buNone/>
-            </a:pPr>
-            <a:r>
-              <a:rPr lang="en-US" dirty="0"/>
-              <a:t>Then, we are left with one question, keep it in mind:</a:t>
-            </a:r>
-          </a:p>
-          <a:p>
-            <a:r>
-              <a:rPr lang="en-US" dirty="0"/>
-              <a:t>In virtue of what does a certain mental representation </a:t>
-            </a:r>
-            <a:r>
-              <a:rPr lang="en-US" i="1" dirty="0"/>
-              <a:t>mean</a:t>
-            </a:r>
-            <a:r>
-              <a:rPr lang="en-US" dirty="0"/>
-              <a:t> a certain proposition and not another one?</a:t>
-            </a:r>
-          </a:p>
-          <a:p>
-            <a:pPr marL="0" indent="0">
-              <a:buNone/>
-            </a:pPr>
-            <a:r>
-              <a:rPr lang="en-US" dirty="0"/>
-              <a:t>This is an incredibly difficult question. Called the problem of </a:t>
-            </a:r>
-            <a:r>
-              <a:rPr lang="en-US" i="1" dirty="0"/>
-              <a:t>intentionality.</a:t>
-            </a:r>
-            <a:endParaRPr lang="en-US" dirty="0"/>
-          </a:p>
-          <a:p>
-            <a:pPr marL="0" indent="0">
-              <a:buNone/>
-            </a:pPr>
-            <a:r>
-              <a:rPr lang="en-US" dirty="0"/>
-              <a:t>However, we don’t need to worry too much about what mental representations </a:t>
-            </a:r>
-            <a:r>
-              <a:rPr lang="en-US" i="1" dirty="0"/>
-              <a:t>are </a:t>
-            </a:r>
-            <a:r>
-              <a:rPr lang="en-US" dirty="0"/>
-              <a:t>(this would be a whole course in itself!), as long as we can say enough about them for our purposes.</a:t>
-            </a:r>
-          </a:p>
-          <a:p>
-            <a:pPr marL="0" indent="0">
-              <a:buNone/>
-            </a:pPr>
-            <a:r>
-              <a:rPr lang="en-US" dirty="0"/>
-              <a:t>Notational convention: From now on, when I put something in quotes I will specify whether in each case I mean a mental representation, a sentence, or a proposition.</a:t>
-            </a:r>
-          </a:p>
-          <a:p>
-            <a:pPr marL="0" indent="0">
-              <a:buNone/>
-            </a:pPr>
-            <a:r>
-              <a:rPr lang="en-US" dirty="0"/>
-              <a:t>So what do we need to say about mental representations?</a:t>
-            </a:r>
-          </a:p>
-        </p:txBody>
-      </p:sp>
-    </p:spTree>
-    <p:extLst>
-      <p:ext uri="{BB962C8B-B14F-4D97-AF65-F5344CB8AC3E}">
-        <p14:creationId xmlns:p14="http://schemas.microsoft.com/office/powerpoint/2010/main" val="432518624"/>
-      </p:ext>
-    </p:extLst>
-  </p:cSld>
-  <p:clrMapOvr>
-    <a:masterClrMapping/>
-  </p:clrMapOvr>
-</p:sld>
-</file>
-
 <file path=ppt/slides/slide2.xml><?xml version="1.0" encoding="utf-8"?>
 <p:sld xmlns:a="http://schemas.openxmlformats.org/drawingml/2006/main" xmlns:r="http://schemas.openxmlformats.org/officeDocument/2006/relationships" xmlns:p="http://schemas.openxmlformats.org/presentationml/2006/main">
   <p:cSld>
@@ -8385,6 +8281,170 @@
 </file>
 
 <file path=ppt/slides/slide20.xml><?xml version="1.0" encoding="utf-8"?>
+<p:sld xmlns:a="http://schemas.openxmlformats.org/drawingml/2006/main" xmlns:r="http://schemas.openxmlformats.org/officeDocument/2006/relationships" xmlns:p="http://schemas.openxmlformats.org/presentationml/2006/main">
+  <p:cSld>
+    <p:spTree>
+      <p:nvGrpSpPr>
+        <p:cNvPr id="1" name=""/>
+        <p:cNvGrpSpPr/>
+        <p:nvPr/>
+      </p:nvGrpSpPr>
+      <p:grpSpPr>
+        <a:xfrm>
+          <a:off x="0" y="0"/>
+          <a:ext cx="0" cy="0"/>
+          <a:chOff x="0" y="0"/>
+          <a:chExt cx="0" cy="0"/>
+        </a:xfrm>
+      </p:grpSpPr>
+      <p:sp>
+        <p:nvSpPr>
+          <p:cNvPr id="2" name="Title 1">
+            <a:extLst>
+              <a:ext uri="{FF2B5EF4-FFF2-40B4-BE49-F238E27FC236}">
+                <a16:creationId xmlns:a16="http://schemas.microsoft.com/office/drawing/2014/main" id="{35BCE469-0952-4B1D-BFA4-3DBBA3E083D4}"/>
+              </a:ext>
+            </a:extLst>
+          </p:cNvPr>
+          <p:cNvSpPr>
+            <a:spLocks noGrp="1"/>
+          </p:cNvSpPr>
+          <p:nvPr>
+            <p:ph type="title"/>
+          </p:nvPr>
+        </p:nvSpPr>
+        <p:spPr/>
+        <p:txBody>
+          <a:bodyPr/>
+          <a:lstStyle/>
+          <a:p>
+            <a:r>
+              <a:rPr lang="en-US" dirty="0"/>
+              <a:t>Mental representation</a:t>
+            </a:r>
+            <a:endParaRPr lang="en-DE" dirty="0"/>
+          </a:p>
+        </p:txBody>
+      </p:sp>
+      <p:sp>
+        <p:nvSpPr>
+          <p:cNvPr id="3" name="Content Placeholder 2">
+            <a:extLst>
+              <a:ext uri="{FF2B5EF4-FFF2-40B4-BE49-F238E27FC236}">
+                <a16:creationId xmlns:a16="http://schemas.microsoft.com/office/drawing/2014/main" id="{88F006DB-75F9-4B71-A373-418A32FEC563}"/>
+              </a:ext>
+            </a:extLst>
+          </p:cNvPr>
+          <p:cNvSpPr>
+            <a:spLocks noGrp="1"/>
+          </p:cNvSpPr>
+          <p:nvPr>
+            <p:ph idx="1"/>
+          </p:nvPr>
+        </p:nvSpPr>
+        <p:spPr/>
+        <p:txBody>
+          <a:bodyPr>
+            <a:normAutofit fontScale="92500"/>
+          </a:bodyPr>
+          <a:lstStyle/>
+          <a:p>
+            <a:pPr marL="0" indent="0">
+              <a:buNone/>
+            </a:pPr>
+            <a:r>
+              <a:rPr lang="en-US" dirty="0"/>
+              <a:t>Assume that we can cook up some plausible functional account of believes* </a:t>
+            </a:r>
+          </a:p>
+          <a:p>
+            <a:pPr marL="0" indent="0">
+              <a:buNone/>
+            </a:pPr>
+            <a:r>
+              <a:rPr lang="en-US" dirty="0"/>
+              <a:t>Then, we are left with one question, keep it in mind:</a:t>
+            </a:r>
+          </a:p>
+          <a:p>
+            <a:r>
+              <a:rPr lang="en-US" dirty="0"/>
+              <a:t>In virtue of what does a certain mental representation </a:t>
+            </a:r>
+            <a:r>
+              <a:rPr lang="en-US" i="1" dirty="0"/>
+              <a:t>mean</a:t>
+            </a:r>
+            <a:r>
+              <a:rPr lang="en-US" dirty="0"/>
+              <a:t> a certain proposition and not another one?</a:t>
+            </a:r>
+          </a:p>
+          <a:p>
+            <a:pPr marL="0" indent="0">
+              <a:buNone/>
+            </a:pPr>
+            <a:r>
+              <a:rPr lang="en-US" dirty="0"/>
+              <a:t>This is an incredibly difficult question. Called the problem of </a:t>
+            </a:r>
+            <a:r>
+              <a:rPr lang="en-US" i="1" dirty="0"/>
+              <a:t>intentionality.</a:t>
+            </a:r>
+            <a:endParaRPr lang="en-US" dirty="0"/>
+          </a:p>
+          <a:p>
+            <a:pPr marL="0" indent="0">
+              <a:buNone/>
+            </a:pPr>
+            <a:r>
+              <a:rPr lang="en-US" dirty="0"/>
+              <a:t>However, we don’t need to worry too much about what mental representations </a:t>
+            </a:r>
+            <a:r>
+              <a:rPr lang="en-US" i="1" dirty="0"/>
+              <a:t>are </a:t>
+            </a:r>
+            <a:r>
+              <a:rPr lang="en-US" dirty="0"/>
+              <a:t>(this would be a whole course in itself!), as long as we can say enough about them for our purposes.</a:t>
+            </a:r>
+          </a:p>
+          <a:p>
+            <a:pPr marL="0" indent="0">
+              <a:buNone/>
+            </a:pPr>
+            <a:r>
+              <a:rPr lang="en-US" dirty="0"/>
+              <a:t>Notational convention: From now on, when I put something in quotes I will specify whether in each case I mean a mental representation, a sentence, or a proposition.</a:t>
+            </a:r>
+          </a:p>
+          <a:p>
+            <a:pPr marL="0" indent="0">
+              <a:buNone/>
+            </a:pPr>
+            <a:r>
+              <a:rPr lang="en-US" dirty="0"/>
+              <a:t>So what do we need to say about mental representations?</a:t>
+            </a:r>
+          </a:p>
+        </p:txBody>
+      </p:sp>
+    </p:spTree>
+    <p:extLst>
+      <p:ext uri="{BB962C8B-B14F-4D97-AF65-F5344CB8AC3E}">
+        <p14:creationId xmlns:p14="http://schemas.microsoft.com/office/powerpoint/2010/main" val="432518624"/>
+      </p:ext>
+    </p:extLst>
+  </p:cSld>
+  <p:clrMapOvr>
+    <a:masterClrMapping/>
+  </p:clrMapOvr>
+</p:sld>
+</file>
+
+<file path=ppt/slides/slide21.xml><?xml version="1.0" encoding="utf-8"?>
 <p:sld xmlns:a="http://schemas.openxmlformats.org/drawingml/2006/main" xmlns:r="http://schemas.openxmlformats.org/officeDocument/2006/relationships" xmlns:p="http://schemas.openxmlformats.org/presentationml/2006/main">
   <p:cSld>
     <p:spTree>
@@ -8935,7 +8995,7 @@
 </p:sld>
 </file>
 
-<file path=ppt/slides/slide21.xml><?xml version="1.0" encoding="utf-8"?>
+<file path=ppt/slides/slide22.xml><?xml version="1.0" encoding="utf-8"?>
 <p:sld xmlns:a="http://schemas.openxmlformats.org/drawingml/2006/main" xmlns:r="http://schemas.openxmlformats.org/officeDocument/2006/relationships" xmlns:p="http://schemas.openxmlformats.org/presentationml/2006/main">
   <p:cSld>
     <p:spTree>
@@ -9287,7 +9347,7 @@
 </p:sld>
 </file>
 
-<file path=ppt/slides/slide22.xml><?xml version="1.0" encoding="utf-8"?>
+<file path=ppt/slides/slide23.xml><?xml version="1.0" encoding="utf-8"?>
 <p:sld xmlns:a="http://schemas.openxmlformats.org/drawingml/2006/main" xmlns:r="http://schemas.openxmlformats.org/officeDocument/2006/relationships" xmlns:p="http://schemas.openxmlformats.org/presentationml/2006/main">
   <p:cSld>
     <p:spTree>
@@ -9793,316 +9853,6 @@
 </p:sld>
 </file>
 
-<file path=ppt/slides/slide23.xml><?xml version="1.0" encoding="utf-8"?>
-<p:sld xmlns:a="http://schemas.openxmlformats.org/drawingml/2006/main" xmlns:r="http://schemas.openxmlformats.org/officeDocument/2006/relationships" xmlns:p="http://schemas.openxmlformats.org/presentationml/2006/main">
-  <p:cSld>
-    <p:spTree>
-      <p:nvGrpSpPr>
-        <p:cNvPr id="1" name=""/>
-        <p:cNvGrpSpPr/>
-        <p:nvPr/>
-      </p:nvGrpSpPr>
-      <p:grpSpPr>
-        <a:xfrm>
-          <a:off x="0" y="0"/>
-          <a:ext cx="0" cy="0"/>
-          <a:chOff x="0" y="0"/>
-          <a:chExt cx="0" cy="0"/>
-        </a:xfrm>
-      </p:grpSpPr>
-      <p:sp>
-        <p:nvSpPr>
-          <p:cNvPr id="2" name="Title 1">
-            <a:extLst>
-              <a:ext uri="{FF2B5EF4-FFF2-40B4-BE49-F238E27FC236}">
-                <a16:creationId xmlns:a16="http://schemas.microsoft.com/office/drawing/2014/main" id="{13093A06-FB0A-47D0-B183-24EEDBF24DAE}"/>
-              </a:ext>
-            </a:extLst>
-          </p:cNvPr>
-          <p:cNvSpPr>
-            <a:spLocks noGrp="1"/>
-          </p:cNvSpPr>
-          <p:nvPr>
-            <p:ph type="title"/>
-          </p:nvPr>
-        </p:nvSpPr>
-        <p:spPr/>
-        <p:txBody>
-          <a:bodyPr/>
-          <a:lstStyle/>
-          <a:p>
-            <a:r>
-              <a:rPr lang="en-US" dirty="0"/>
-              <a:t>Here comes the Big Idea!</a:t>
-            </a:r>
-            <a:endParaRPr lang="en-DE" dirty="0"/>
-          </a:p>
-        </p:txBody>
-      </p:sp>
-      <p:sp>
-        <p:nvSpPr>
-          <p:cNvPr id="3" name="Content Placeholder 2">
-            <a:extLst>
-              <a:ext uri="{FF2B5EF4-FFF2-40B4-BE49-F238E27FC236}">
-                <a16:creationId xmlns:a16="http://schemas.microsoft.com/office/drawing/2014/main" id="{82FA0F9B-AA61-4FD0-AC87-F7D7FFB5352C}"/>
-              </a:ext>
-            </a:extLst>
-          </p:cNvPr>
-          <p:cNvSpPr>
-            <a:spLocks noGrp="1"/>
-          </p:cNvSpPr>
-          <p:nvPr>
-            <p:ph idx="1"/>
-          </p:nvPr>
-        </p:nvSpPr>
-        <p:spPr/>
-        <p:txBody>
-          <a:bodyPr>
-            <a:normAutofit fontScale="92500" lnSpcReduction="20000"/>
-          </a:bodyPr>
-          <a:lstStyle/>
-          <a:p>
-            <a:pPr marL="0" indent="0">
-              <a:buNone/>
-            </a:pPr>
-            <a:r>
-              <a:rPr lang="en-US" dirty="0"/>
-              <a:t>To make sense of attributions of beliefs, we have introduced a picture where mental representations have compositional structure. What does this remind you of?</a:t>
-            </a:r>
-          </a:p>
-          <a:p>
-            <a:pPr marL="0" indent="0">
-              <a:buNone/>
-            </a:pPr>
-            <a:r>
-              <a:rPr lang="en-US" dirty="0"/>
-              <a:t>The </a:t>
-            </a:r>
-            <a:r>
-              <a:rPr lang="en-US" dirty="0">
-                <a:hlinkClick r:id="rId2"/>
-              </a:rPr>
-              <a:t>Stanford Encyclopedia of Philosophy</a:t>
-            </a:r>
-            <a:r>
-              <a:rPr lang="en-US" dirty="0"/>
-              <a:t> (famous reputable source &amp; solace of philosophers worldwide) can help us here:</a:t>
-            </a:r>
-          </a:p>
-          <a:p>
-            <a:r>
-              <a:rPr lang="en-US" b="0" dirty="0">
-                <a:solidFill>
-                  <a:srgbClr val="1A1A1A"/>
-                </a:solidFill>
-                <a:effectLst/>
-              </a:rPr>
-              <a:t>The</a:t>
-            </a:r>
-            <a:r>
-              <a:rPr lang="en-US" b="0" i="1" dirty="0">
-                <a:solidFill>
-                  <a:srgbClr val="1A1A1A"/>
-                </a:solidFill>
-                <a:effectLst/>
-              </a:rPr>
-              <a:t> Language of Thought </a:t>
-            </a:r>
-            <a:r>
-              <a:rPr lang="en-US" i="1" dirty="0">
-                <a:solidFill>
-                  <a:srgbClr val="1A1A1A"/>
-                </a:solidFill>
-              </a:rPr>
-              <a:t>H</a:t>
-            </a:r>
-            <a:r>
-              <a:rPr lang="en-US" b="0" i="1" dirty="0">
-                <a:solidFill>
-                  <a:srgbClr val="1A1A1A"/>
-                </a:solidFill>
-                <a:effectLst/>
-              </a:rPr>
-              <a:t>ypothesis</a:t>
-            </a:r>
-            <a:r>
-              <a:rPr lang="en-US" b="0" i="0" dirty="0">
-                <a:solidFill>
-                  <a:srgbClr val="1A1A1A"/>
-                </a:solidFill>
-                <a:effectLst/>
-              </a:rPr>
-              <a:t> (</a:t>
-            </a:r>
-            <a:r>
-              <a:rPr lang="en-US" b="0" i="0" dirty="0" err="1">
-                <a:solidFill>
-                  <a:srgbClr val="1A1A1A"/>
-                </a:solidFill>
-                <a:effectLst/>
-              </a:rPr>
-              <a:t>LoTH</a:t>
-            </a:r>
-            <a:r>
-              <a:rPr lang="en-US" b="0" i="0" dirty="0">
-                <a:solidFill>
-                  <a:srgbClr val="1A1A1A"/>
-                </a:solidFill>
-                <a:effectLst/>
-              </a:rPr>
-              <a:t>) proposes that thinking occurs in a </a:t>
-            </a:r>
-            <a:r>
-              <a:rPr lang="en-US" b="0" i="1" dirty="0">
-                <a:solidFill>
-                  <a:srgbClr val="1A1A1A"/>
-                </a:solidFill>
-                <a:effectLst/>
-              </a:rPr>
-              <a:t>mental language</a:t>
-            </a:r>
-            <a:r>
-              <a:rPr lang="en-US" b="0" i="0" dirty="0">
-                <a:solidFill>
-                  <a:srgbClr val="1A1A1A"/>
-                </a:solidFill>
-                <a:effectLst/>
-              </a:rPr>
-              <a:t>. </a:t>
-            </a:r>
-          </a:p>
-          <a:p>
-            <a:r>
-              <a:rPr lang="en-US" b="0" i="0" dirty="0">
-                <a:solidFill>
-                  <a:srgbClr val="1A1A1A"/>
-                </a:solidFill>
-                <a:effectLst/>
-              </a:rPr>
-              <a:t>Often called </a:t>
-            </a:r>
-            <a:r>
-              <a:rPr lang="en-US" b="0" i="1" dirty="0">
-                <a:solidFill>
-                  <a:srgbClr val="1A1A1A"/>
-                </a:solidFill>
-                <a:effectLst/>
-              </a:rPr>
-              <a:t>Mentalese</a:t>
-            </a:r>
-            <a:r>
-              <a:rPr lang="en-US" b="0" i="0" dirty="0">
-                <a:solidFill>
-                  <a:srgbClr val="1A1A1A"/>
-                </a:solidFill>
-                <a:effectLst/>
-              </a:rPr>
-              <a:t>, the mental language resembles spoken language in several key respects: </a:t>
-            </a:r>
-          </a:p>
-          <a:p>
-            <a:pPr marL="914400" lvl="1" indent="-457200">
-              <a:buFont typeface="+mj-lt"/>
-              <a:buAutoNum type="arabicPeriod"/>
-            </a:pPr>
-            <a:r>
-              <a:rPr lang="en-US" b="0" i="0" dirty="0">
-                <a:solidFill>
-                  <a:srgbClr val="1A1A1A"/>
-                </a:solidFill>
-                <a:effectLst/>
-              </a:rPr>
-              <a:t>It contains words that can combine into sentences</a:t>
-            </a:r>
-          </a:p>
-          <a:p>
-            <a:pPr marL="914400" lvl="1" indent="-457200">
-              <a:buFont typeface="+mj-lt"/>
-              <a:buAutoNum type="arabicPeriod"/>
-            </a:pPr>
-            <a:r>
-              <a:rPr lang="en-US" b="0" i="0" dirty="0">
-                <a:solidFill>
-                  <a:srgbClr val="1A1A1A"/>
-                </a:solidFill>
-                <a:effectLst/>
-              </a:rPr>
-              <a:t>The words and sentences are meaningful</a:t>
-            </a:r>
-          </a:p>
-          <a:p>
-            <a:pPr marL="914400" lvl="1" indent="-457200">
-              <a:buFont typeface="+mj-lt"/>
-              <a:buAutoNum type="arabicPeriod"/>
-            </a:pPr>
-            <a:r>
-              <a:rPr lang="en-US" b="0" i="0" dirty="0">
-                <a:solidFill>
-                  <a:srgbClr val="1A1A1A"/>
-                </a:solidFill>
-                <a:effectLst/>
-              </a:rPr>
-              <a:t>Each sentence’s meaning depends in a systematic way upon the meanings of its component words and the way those words are combined</a:t>
-            </a:r>
-          </a:p>
-          <a:p>
-            <a:pPr marL="0" indent="0">
-              <a:buNone/>
-            </a:pPr>
-            <a:r>
-              <a:rPr lang="en-US" dirty="0">
-                <a:solidFill>
-                  <a:srgbClr val="1A1A1A"/>
-                </a:solidFill>
-              </a:rPr>
-              <a:t>There’s a lot going on in those three points. They will become clearer over time.</a:t>
-            </a:r>
-          </a:p>
-          <a:p>
-            <a:pPr marL="0" indent="0">
-              <a:buNone/>
-            </a:pPr>
-            <a:r>
-              <a:rPr lang="en-US" dirty="0">
-                <a:solidFill>
-                  <a:srgbClr val="1A1A1A"/>
-                </a:solidFill>
-              </a:rPr>
-              <a:t>But I hope this already gives you a sense of what the </a:t>
-            </a:r>
-            <a:r>
-              <a:rPr lang="en-US" dirty="0" err="1">
-                <a:solidFill>
-                  <a:srgbClr val="1A1A1A"/>
-                </a:solidFill>
-              </a:rPr>
-              <a:t>LoTH</a:t>
-            </a:r>
-            <a:r>
-              <a:rPr lang="en-US" dirty="0">
-                <a:solidFill>
-                  <a:srgbClr val="1A1A1A"/>
-                </a:solidFill>
-              </a:rPr>
-              <a:t> is. </a:t>
-            </a:r>
-            <a:endParaRPr lang="en-DE" dirty="0"/>
-          </a:p>
-        </p:txBody>
-      </p:sp>
-    </p:spTree>
-    <p:extLst>
-      <p:ext uri="{BB962C8B-B14F-4D97-AF65-F5344CB8AC3E}">
-        <p14:creationId xmlns:p14="http://schemas.microsoft.com/office/powerpoint/2010/main" val="1256972527"/>
-      </p:ext>
-    </p:extLst>
-  </p:cSld>
-  <p:clrMapOvr>
-    <a:masterClrMapping/>
-  </p:clrMapOvr>
-</p:sld>
-</file>
-
 <file path=ppt/slides/slide24.xml><?xml version="1.0" encoding="utf-8"?>
 <p:sld xmlns:a="http://schemas.openxmlformats.org/drawingml/2006/main" xmlns:r="http://schemas.openxmlformats.org/officeDocument/2006/relationships" xmlns:p="http://schemas.openxmlformats.org/presentationml/2006/main">
   <p:cSld>
@@ -10125,7 +9875,7 @@
           <p:cNvPr id="2" name="Title 1">
             <a:extLst>
               <a:ext uri="{FF2B5EF4-FFF2-40B4-BE49-F238E27FC236}">
-                <a16:creationId xmlns:a16="http://schemas.microsoft.com/office/drawing/2014/main" id="{9BB6E3AF-191B-46BE-9B46-968AC734A6B3}"/>
+                <a16:creationId xmlns:a16="http://schemas.microsoft.com/office/drawing/2014/main" id="{13093A06-FB0A-47D0-B183-24EEDBF24DAE}"/>
               </a:ext>
             </a:extLst>
           </p:cNvPr>
@@ -10143,11 +9893,7 @@
           <a:p>
             <a:r>
               <a:rPr lang="en-US" dirty="0"/>
-              <a:t>Some specific facts about the </a:t>
-            </a:r>
-            <a:r>
-              <a:rPr lang="en-US" dirty="0" err="1"/>
-              <a:t>LoT</a:t>
+              <a:t>Here comes the Big Idea!</a:t>
             </a:r>
             <a:endParaRPr lang="en-DE" dirty="0"/>
           </a:p>
@@ -10158,7 +9904,7 @@
           <p:cNvPr id="3" name="Content Placeholder 2">
             <a:extLst>
               <a:ext uri="{FF2B5EF4-FFF2-40B4-BE49-F238E27FC236}">
-                <a16:creationId xmlns:a16="http://schemas.microsoft.com/office/drawing/2014/main" id="{F1DE8054-4FD7-4492-9407-8BE9015688A1}"/>
+                <a16:creationId xmlns:a16="http://schemas.microsoft.com/office/drawing/2014/main" id="{82FA0F9B-AA61-4FD0-AC87-F7D7FFB5352C}"/>
               </a:ext>
             </a:extLst>
           </p:cNvPr>
@@ -10172,97 +9918,233 @@
         <p:spPr/>
         <p:txBody>
           <a:bodyPr>
-            <a:normAutofit fontScale="92500" lnSpcReduction="10000"/>
+            <a:normAutofit fontScale="92500" lnSpcReduction="20000"/>
           </a:bodyPr>
           <a:lstStyle/>
           <a:p>
-            <a:r>
-              <a:rPr lang="en-US" dirty="0"/>
-              <a:t>Question for you: What can we already say about the </a:t>
-            </a:r>
-            <a:r>
-              <a:rPr lang="en-US" dirty="0" err="1"/>
-              <a:t>LoT</a:t>
-            </a:r>
-            <a:r>
-              <a:rPr lang="en-US" dirty="0"/>
-              <a:t>?</a:t>
-            </a:r>
-          </a:p>
-          <a:p>
-            <a:r>
-              <a:rPr lang="en-US" dirty="0"/>
-              <a:t>You might find this surprising, but we can plausibly say some quite </a:t>
-            </a:r>
-            <a:r>
-              <a:rPr lang="en-US" i="1" dirty="0"/>
-              <a:t>specific</a:t>
-            </a:r>
-            <a:r>
-              <a:rPr lang="en-US" dirty="0"/>
-              <a:t> things about the </a:t>
-            </a:r>
-            <a:r>
-              <a:rPr lang="en-US" dirty="0" err="1"/>
-              <a:t>LoT</a:t>
-            </a:r>
-            <a:r>
-              <a:rPr lang="en-US" dirty="0"/>
-              <a:t>.</a:t>
-            </a:r>
-          </a:p>
-          <a:p>
-            <a:r>
-              <a:rPr lang="en-US" dirty="0"/>
-              <a:t>For instance, the </a:t>
-            </a:r>
-            <a:r>
-              <a:rPr lang="en-US" dirty="0" err="1"/>
-              <a:t>LoT</a:t>
-            </a:r>
-            <a:r>
-              <a:rPr lang="en-US" dirty="0"/>
-              <a:t> has something like ‘words’ (simple mental representations), which express simple (=unstructured) concepts.</a:t>
-            </a:r>
-          </a:p>
-          <a:p>
-            <a:r>
-              <a:rPr lang="en-US" dirty="0"/>
-              <a:t>Some of the simple words in e.g., English probably correspond to complex mental representations. </a:t>
-            </a:r>
-          </a:p>
-          <a:p>
-            <a:r>
-              <a:rPr lang="en-US" dirty="0"/>
-              <a:t>E.g., ‘bachelor’ -&gt; unmarried human man </a:t>
-            </a:r>
-          </a:p>
-          <a:p>
-            <a:r>
-              <a:rPr lang="en-US" dirty="0"/>
-              <a:t>However, we can guess some words in our </a:t>
-            </a:r>
-            <a:r>
-              <a:rPr lang="en-US" dirty="0" err="1"/>
-              <a:t>LoT</a:t>
-            </a:r>
-            <a:r>
-              <a:rPr lang="en-US" dirty="0"/>
-              <a:t>. For instance, basic logical words like ‘and’, ‘or’, ‘not’, ‘all’, ‘some’.</a:t>
-            </a:r>
-          </a:p>
-          <a:p>
-            <a:r>
-              <a:rPr lang="en-US" dirty="0"/>
-              <a:t>In other terms, it’s plausible that the </a:t>
-            </a:r>
-            <a:r>
-              <a:rPr lang="en-US" dirty="0" err="1"/>
-              <a:t>LoT</a:t>
-            </a:r>
-            <a:r>
-              <a:rPr lang="en-US" dirty="0"/>
-              <a:t> contains at least some logical scaffolding.</a:t>
+            <a:pPr marL="0" indent="0">
+              <a:buNone/>
+            </a:pPr>
+            <a:r>
+              <a:rPr lang="en-US" dirty="0"/>
+              <a:t>To make sense of attributions of beliefs, we have introduced a picture where mental representations have compositional structure. What does this remind you of?</a:t>
+            </a:r>
+          </a:p>
+          <a:p>
+            <a:pPr marL="0" indent="0">
+              <a:buNone/>
+            </a:pPr>
+            <a:r>
+              <a:rPr lang="en-US" dirty="0"/>
+              <a:t>The </a:t>
+            </a:r>
+            <a:r>
+              <a:rPr lang="en-US" dirty="0">
+                <a:hlinkClick r:id="rId2"/>
+              </a:rPr>
+              <a:t>Stanford Encyclopedia of Philosophy</a:t>
+            </a:r>
+            <a:r>
+              <a:rPr lang="en-US" dirty="0"/>
+              <a:t> (famous reputable source &amp; solace of philosophers worldwide) can help us here:</a:t>
+            </a:r>
+          </a:p>
+          <a:p>
+            <a:r>
+              <a:rPr lang="en-US" b="0" dirty="0">
+                <a:solidFill>
+                  <a:srgbClr val="1A1A1A"/>
+                </a:solidFill>
+                <a:effectLst/>
+              </a:rPr>
+              <a:t>The</a:t>
+            </a:r>
+            <a:r>
+              <a:rPr lang="en-US" b="0" i="1" dirty="0">
+                <a:solidFill>
+                  <a:srgbClr val="1A1A1A"/>
+                </a:solidFill>
+                <a:effectLst/>
+              </a:rPr>
+              <a:t> Language of Thought </a:t>
+            </a:r>
+            <a:r>
+              <a:rPr lang="en-US" i="1" dirty="0">
+                <a:solidFill>
+                  <a:srgbClr val="1A1A1A"/>
+                </a:solidFill>
+              </a:rPr>
+              <a:t>H</a:t>
+            </a:r>
+            <a:r>
+              <a:rPr lang="en-US" b="0" i="1" dirty="0">
+                <a:solidFill>
+                  <a:srgbClr val="1A1A1A"/>
+                </a:solidFill>
+                <a:effectLst/>
+              </a:rPr>
+              <a:t>ypothesis</a:t>
+            </a:r>
+            <a:r>
+              <a:rPr lang="en-US" b="0" i="0" dirty="0">
+                <a:solidFill>
+                  <a:srgbClr val="1A1A1A"/>
+                </a:solidFill>
+                <a:effectLst/>
+              </a:rPr>
+              <a:t> (</a:t>
+            </a:r>
+            <a:r>
+              <a:rPr lang="en-US" b="0" i="0" dirty="0" err="1">
+                <a:solidFill>
+                  <a:srgbClr val="1A1A1A"/>
+                </a:solidFill>
+                <a:effectLst/>
+              </a:rPr>
+              <a:t>LoTH</a:t>
+            </a:r>
+            <a:r>
+              <a:rPr lang="en-US" b="0" i="0" dirty="0">
+                <a:solidFill>
+                  <a:srgbClr val="1A1A1A"/>
+                </a:solidFill>
+                <a:effectLst/>
+              </a:rPr>
+              <a:t>) proposes that thinking occurs in a </a:t>
+            </a:r>
+            <a:r>
+              <a:rPr lang="en-US" b="0" i="1" dirty="0">
+                <a:solidFill>
+                  <a:srgbClr val="1A1A1A"/>
+                </a:solidFill>
+                <a:effectLst/>
+              </a:rPr>
+              <a:t>mental language</a:t>
+            </a:r>
+            <a:r>
+              <a:rPr lang="en-US" b="0" i="0" dirty="0">
+                <a:solidFill>
+                  <a:srgbClr val="1A1A1A"/>
+                </a:solidFill>
+                <a:effectLst/>
+              </a:rPr>
+              <a:t>. </a:t>
+            </a:r>
+          </a:p>
+          <a:p>
+            <a:r>
+              <a:rPr lang="en-US" b="0" i="0" dirty="0">
+                <a:solidFill>
+                  <a:srgbClr val="1A1A1A"/>
+                </a:solidFill>
+                <a:effectLst/>
+              </a:rPr>
+              <a:t>Often called </a:t>
+            </a:r>
+            <a:r>
+              <a:rPr lang="en-US" b="0" i="1" dirty="0">
+                <a:solidFill>
+                  <a:srgbClr val="1A1A1A"/>
+                </a:solidFill>
+                <a:effectLst/>
+              </a:rPr>
+              <a:t>Mentalese</a:t>
+            </a:r>
+            <a:r>
+              <a:rPr lang="en-US" b="0" i="0" dirty="0">
+                <a:solidFill>
+                  <a:srgbClr val="1A1A1A"/>
+                </a:solidFill>
+                <a:effectLst/>
+              </a:rPr>
+              <a:t>, the mental language resembles spoken language in several key respects: </a:t>
+            </a:r>
+          </a:p>
+          <a:p>
+            <a:pPr marL="914400" lvl="1" indent="-457200">
+              <a:buFont typeface="+mj-lt"/>
+              <a:buAutoNum type="arabicPeriod"/>
+            </a:pPr>
+            <a:r>
+              <a:rPr lang="en-US" b="0" i="0" dirty="0">
+                <a:solidFill>
+                  <a:srgbClr val="1A1A1A"/>
+                </a:solidFill>
+                <a:effectLst/>
+              </a:rPr>
+              <a:t>It contains words that can combine into sentences</a:t>
+            </a:r>
+          </a:p>
+          <a:p>
+            <a:pPr marL="914400" lvl="1" indent="-457200">
+              <a:buFont typeface="+mj-lt"/>
+              <a:buAutoNum type="arabicPeriod"/>
+            </a:pPr>
+            <a:r>
+              <a:rPr lang="en-US" b="0" i="0" dirty="0">
+                <a:solidFill>
+                  <a:srgbClr val="1A1A1A"/>
+                </a:solidFill>
+                <a:effectLst/>
+              </a:rPr>
+              <a:t>The words and sentences are meaningful</a:t>
+            </a:r>
+          </a:p>
+          <a:p>
+            <a:pPr marL="914400" lvl="1" indent="-457200">
+              <a:buFont typeface="+mj-lt"/>
+              <a:buAutoNum type="arabicPeriod"/>
+            </a:pPr>
+            <a:r>
+              <a:rPr lang="en-US" b="0" i="0" dirty="0">
+                <a:solidFill>
+                  <a:srgbClr val="1A1A1A"/>
+                </a:solidFill>
+                <a:effectLst/>
+              </a:rPr>
+              <a:t>Each sentence’s meaning depends in a systematic way upon the meanings of its component words and the way those words are combined</a:t>
+            </a:r>
+          </a:p>
+          <a:p>
+            <a:pPr marL="0" indent="0">
+              <a:buNone/>
+            </a:pPr>
+            <a:r>
+              <a:rPr lang="en-US" dirty="0">
+                <a:solidFill>
+                  <a:srgbClr val="1A1A1A"/>
+                </a:solidFill>
+              </a:rPr>
+              <a:t>There’s a lot going on in those three points. They will become clearer over time.</a:t>
+            </a:r>
+          </a:p>
+          <a:p>
+            <a:pPr marL="0" indent="0">
+              <a:buNone/>
+            </a:pPr>
+            <a:r>
+              <a:rPr lang="en-US" dirty="0">
+                <a:solidFill>
+                  <a:srgbClr val="1A1A1A"/>
+                </a:solidFill>
+              </a:rPr>
+              <a:t>But I hope this already gives you a sense of what the </a:t>
+            </a:r>
+            <a:r>
+              <a:rPr lang="en-US" dirty="0" err="1">
+                <a:solidFill>
+                  <a:srgbClr val="1A1A1A"/>
+                </a:solidFill>
+              </a:rPr>
+              <a:t>LoTH</a:t>
+            </a:r>
+            <a:r>
+              <a:rPr lang="en-US" dirty="0">
+                <a:solidFill>
+                  <a:srgbClr val="1A1A1A"/>
+                </a:solidFill>
+              </a:rPr>
+              <a:t> is. </a:t>
             </a:r>
             <a:endParaRPr lang="en-DE" dirty="0"/>
           </a:p>
@@ -10271,7 +10153,7 @@
     </p:spTree>
     <p:extLst>
       <p:ext uri="{BB962C8B-B14F-4D97-AF65-F5344CB8AC3E}">
-        <p14:creationId xmlns:p14="http://schemas.microsoft.com/office/powerpoint/2010/main" val="543106854"/>
+        <p14:creationId xmlns:p14="http://schemas.microsoft.com/office/powerpoint/2010/main" val="1256972527"/>
       </p:ext>
     </p:extLst>
   </p:cSld>
@@ -10303,7 +10185,7 @@
           <p:cNvPr id="2" name="Title 1">
             <a:extLst>
               <a:ext uri="{FF2B5EF4-FFF2-40B4-BE49-F238E27FC236}">
-                <a16:creationId xmlns:a16="http://schemas.microsoft.com/office/drawing/2014/main" id="{7E002B78-FCC0-4AB5-A9F2-40913DCC2A7C}"/>
+                <a16:creationId xmlns:a16="http://schemas.microsoft.com/office/drawing/2014/main" id="{9BB6E3AF-191B-46BE-9B46-968AC734A6B3}"/>
               </a:ext>
             </a:extLst>
           </p:cNvPr>
@@ -10321,16 +10203,12 @@
           <a:p>
             <a:r>
               <a:rPr lang="en-US" dirty="0"/>
-              <a:t>What does the </a:t>
+              <a:t>Some specific facts about the </a:t>
             </a:r>
             <a:r>
               <a:rPr lang="en-US" dirty="0" err="1"/>
               <a:t>LoT</a:t>
             </a:r>
-            <a:r>
-              <a:rPr lang="en-US" dirty="0"/>
-              <a:t> do for us?</a:t>
-            </a:r>
             <a:endParaRPr lang="en-DE" dirty="0"/>
           </a:p>
         </p:txBody>
@@ -10340,7 +10218,7 @@
           <p:cNvPr id="3" name="Content Placeholder 2">
             <a:extLst>
               <a:ext uri="{FF2B5EF4-FFF2-40B4-BE49-F238E27FC236}">
-                <a16:creationId xmlns:a16="http://schemas.microsoft.com/office/drawing/2014/main" id="{2D1C20DE-4CA5-41EE-8DDF-927F92559DF3}"/>
+                <a16:creationId xmlns:a16="http://schemas.microsoft.com/office/drawing/2014/main" id="{F1DE8054-4FD7-4492-9407-8BE9015688A1}"/>
               </a:ext>
             </a:extLst>
           </p:cNvPr>
@@ -10353,15 +10231,14 @@
         </p:nvSpPr>
         <p:spPr/>
         <p:txBody>
-          <a:bodyPr anchor="ctr"/>
+          <a:bodyPr>
+            <a:normAutofit fontScale="92500" lnSpcReduction="10000"/>
+          </a:bodyPr>
           <a:lstStyle/>
           <a:p>
-            <a:pPr marL="0" indent="0">
-              <a:buNone/>
-            </a:pPr>
-            <a:r>
-              <a:rPr lang="en-US" dirty="0"/>
-              <a:t>The </a:t>
+            <a:r>
+              <a:rPr lang="en-US" dirty="0"/>
+              <a:t>Question for you: What can we already say about the </a:t>
             </a:r>
             <a:r>
               <a:rPr lang="en-US" dirty="0" err="1"/>
@@ -10369,20 +10246,21 @@
             </a:r>
             <a:r>
               <a:rPr lang="en-US" dirty="0"/>
-              <a:t> gives us natural accounts of:</a:t>
-            </a:r>
-          </a:p>
-          <a:p>
-            <a:r>
-              <a:rPr lang="en-US" dirty="0"/>
-              <a:t>Reasoning</a:t>
-            </a:r>
-          </a:p>
-          <a:p>
-            <a:pPr lvl="1"/>
-            <a:r>
-              <a:rPr lang="en-US" dirty="0"/>
-              <a:t>Can you see what the </a:t>
+              <a:t>?</a:t>
+            </a:r>
+          </a:p>
+          <a:p>
+            <a:r>
+              <a:rPr lang="en-US" dirty="0"/>
+              <a:t>You might find this surprising, but we can plausibly say some quite </a:t>
+            </a:r>
+            <a:r>
+              <a:rPr lang="en-US" i="1" dirty="0"/>
+              <a:t>specific</a:t>
+            </a:r>
+            <a:r>
+              <a:rPr lang="en-US" dirty="0"/>
+              <a:t> things about the </a:t>
             </a:r>
             <a:r>
               <a:rPr lang="en-US" dirty="0" err="1"/>
@@ -10390,45 +10268,61 @@
             </a:r>
             <a:r>
               <a:rPr lang="en-US" dirty="0"/>
-              <a:t> would say about reasoning?</a:t>
-            </a:r>
-          </a:p>
-          <a:p>
-            <a:r>
-              <a:rPr lang="en-US" dirty="0"/>
-              <a:t>Why some mental representations feel more ‘complex’ than others</a:t>
-            </a:r>
-          </a:p>
-          <a:p>
-            <a:pPr lvl="1"/>
-            <a:r>
-              <a:rPr lang="en-US" dirty="0"/>
-              <a:t>Can you see why?</a:t>
-            </a:r>
-          </a:p>
-          <a:p>
-            <a:r>
-              <a:rPr lang="en-US" dirty="0"/>
-              <a:t>Connections between the meanings of different mental representations</a:t>
-            </a:r>
-          </a:p>
-          <a:p>
-            <a:r>
-              <a:rPr lang="en-US" dirty="0"/>
-              <a:t>The apparently close relations between thought and language</a:t>
-            </a:r>
-          </a:p>
-          <a:p>
-            <a:r>
-              <a:rPr lang="en-US" dirty="0"/>
-              <a:t>How can we have infinitely many thoughts</a:t>
-            </a:r>
-          </a:p>
-          <a:p>
-            <a:pPr lvl="1"/>
-            <a:r>
-              <a:rPr lang="en-US" dirty="0"/>
-              <a:t>Can you see why?</a:t>
+              <a:t>.</a:t>
+            </a:r>
+          </a:p>
+          <a:p>
+            <a:r>
+              <a:rPr lang="en-US" dirty="0"/>
+              <a:t>For instance, the </a:t>
+            </a:r>
+            <a:r>
+              <a:rPr lang="en-US" dirty="0" err="1"/>
+              <a:t>LoT</a:t>
+            </a:r>
+            <a:r>
+              <a:rPr lang="en-US" dirty="0"/>
+              <a:t> has something like ‘words’ (simple mental representations), which express simple (=unstructured) concepts.</a:t>
+            </a:r>
+          </a:p>
+          <a:p>
+            <a:r>
+              <a:rPr lang="en-US" dirty="0"/>
+              <a:t>Some of the simple words in e.g., English probably correspond to complex mental representations. </a:t>
+            </a:r>
+          </a:p>
+          <a:p>
+            <a:r>
+              <a:rPr lang="en-US" dirty="0"/>
+              <a:t>E.g., ‘bachelor’ -&gt; unmarried human man </a:t>
+            </a:r>
+          </a:p>
+          <a:p>
+            <a:r>
+              <a:rPr lang="en-US" dirty="0"/>
+              <a:t>However, we can guess some words in our </a:t>
+            </a:r>
+            <a:r>
+              <a:rPr lang="en-US" dirty="0" err="1"/>
+              <a:t>LoT</a:t>
+            </a:r>
+            <a:r>
+              <a:rPr lang="en-US" dirty="0"/>
+              <a:t>. For instance, basic logical words like ‘and’, ‘or’, ‘not’, ‘all’, ‘some’.</a:t>
+            </a:r>
+          </a:p>
+          <a:p>
+            <a:r>
+              <a:rPr lang="en-US" dirty="0"/>
+              <a:t>In other terms, it’s plausible that the </a:t>
+            </a:r>
+            <a:r>
+              <a:rPr lang="en-US" dirty="0" err="1"/>
+              <a:t>LoT</a:t>
+            </a:r>
+            <a:r>
+              <a:rPr lang="en-US" dirty="0"/>
+              <a:t> contains at least some logical scaffolding.</a:t>
             </a:r>
             <a:endParaRPr lang="en-DE" dirty="0"/>
           </a:p>
@@ -10437,7 +10331,7 @@
     </p:spTree>
     <p:extLst>
       <p:ext uri="{BB962C8B-B14F-4D97-AF65-F5344CB8AC3E}">
-        <p14:creationId xmlns:p14="http://schemas.microsoft.com/office/powerpoint/2010/main" val="1877079649"/>
+        <p14:creationId xmlns:p14="http://schemas.microsoft.com/office/powerpoint/2010/main" val="543106854"/>
       </p:ext>
     </p:extLst>
   </p:cSld>
@@ -10469,7 +10363,7 @@
           <p:cNvPr id="2" name="Title 1">
             <a:extLst>
               <a:ext uri="{FF2B5EF4-FFF2-40B4-BE49-F238E27FC236}">
-                <a16:creationId xmlns:a16="http://schemas.microsoft.com/office/drawing/2014/main" id="{F00A92DB-C557-4007-9696-61D442A5C85F}"/>
+                <a16:creationId xmlns:a16="http://schemas.microsoft.com/office/drawing/2014/main" id="{7E002B78-FCC0-4AB5-A9F2-40913DCC2A7C}"/>
               </a:ext>
             </a:extLst>
           </p:cNvPr>
@@ -10487,42 +10381,7 @@
           <a:p>
             <a:r>
               <a:rPr lang="en-US" dirty="0"/>
-              <a:t>Back to rule learning</a:t>
-            </a:r>
-            <a:endParaRPr lang="en-DE" dirty="0"/>
-          </a:p>
-        </p:txBody>
-      </p:sp>
-      <p:sp>
-        <p:nvSpPr>
-          <p:cNvPr id="3" name="Content Placeholder 2">
-            <a:extLst>
-              <a:ext uri="{FF2B5EF4-FFF2-40B4-BE49-F238E27FC236}">
-                <a16:creationId xmlns:a16="http://schemas.microsoft.com/office/drawing/2014/main" id="{C4398464-D78C-440E-AD4D-049B8A339E02}"/>
-              </a:ext>
-            </a:extLst>
-          </p:cNvPr>
-          <p:cNvSpPr>
-            <a:spLocks noGrp="1"/>
-          </p:cNvSpPr>
-          <p:nvPr>
-            <p:ph idx="1"/>
-          </p:nvPr>
-        </p:nvSpPr>
-        <p:spPr/>
-        <p:txBody>
-          <a:bodyPr/>
-          <a:lstStyle/>
-          <a:p>
-            <a:r>
-              <a:rPr lang="en-US" dirty="0"/>
-              <a:t>So how does this all relate to the initial examples of rule learning?</a:t>
-            </a:r>
-          </a:p>
-          <a:p>
-            <a:r>
-              <a:rPr lang="en-US" dirty="0"/>
-              <a:t>The idea is that learning a rule from examples consists in finding some expression in the </a:t>
+              <a:t>What does the </a:t>
             </a:r>
             <a:r>
               <a:rPr lang="en-US" dirty="0" err="1"/>
@@ -10530,47 +10389,106 @@
             </a:r>
             <a:r>
               <a:rPr lang="en-US" dirty="0"/>
-              <a:t> that is consistent with the examples…</a:t>
-            </a:r>
-          </a:p>
-          <a:p>
-            <a:r>
-              <a:rPr lang="en-US" dirty="0"/>
-              <a:t>But consistency isn’t enough! Remember Wittgenstein. We need something more.</a:t>
-            </a:r>
-          </a:p>
-          <a:p>
-            <a:r>
-              <a:rPr lang="en-US" dirty="0"/>
-              <a:t>For instance, we could say that humans have a </a:t>
-            </a:r>
-            <a:r>
-              <a:rPr lang="en-US" i="1" dirty="0"/>
-              <a:t>prior preference for simpler </a:t>
-            </a:r>
-            <a:r>
-              <a:rPr lang="en-US" i="1" dirty="0" err="1"/>
+              <a:t> do for us?</a:t>
+            </a:r>
+            <a:endParaRPr lang="en-DE" dirty="0"/>
+          </a:p>
+        </p:txBody>
+      </p:sp>
+      <p:sp>
+        <p:nvSpPr>
+          <p:cNvPr id="3" name="Content Placeholder 2">
+            <a:extLst>
+              <a:ext uri="{FF2B5EF4-FFF2-40B4-BE49-F238E27FC236}">
+                <a16:creationId xmlns:a16="http://schemas.microsoft.com/office/drawing/2014/main" id="{2D1C20DE-4CA5-41EE-8DDF-927F92559DF3}"/>
+              </a:ext>
+            </a:extLst>
+          </p:cNvPr>
+          <p:cNvSpPr>
+            <a:spLocks noGrp="1"/>
+          </p:cNvSpPr>
+          <p:nvPr>
+            <p:ph idx="1"/>
+          </p:nvPr>
+        </p:nvSpPr>
+        <p:spPr/>
+        <p:txBody>
+          <a:bodyPr anchor="ctr"/>
+          <a:lstStyle/>
+          <a:p>
+            <a:pPr marL="0" indent="0">
+              <a:buNone/>
+            </a:pPr>
+            <a:r>
+              <a:rPr lang="en-US" dirty="0"/>
+              <a:t>The </a:t>
+            </a:r>
+            <a:r>
+              <a:rPr lang="en-US" dirty="0" err="1"/>
               <a:t>LoT</a:t>
             </a:r>
             <a:r>
-              <a:rPr lang="en-US" i="1" dirty="0"/>
-              <a:t> expressions</a:t>
-            </a:r>
-            <a:r>
-              <a:rPr lang="en-US" dirty="0"/>
-              <a:t>.</a:t>
-            </a:r>
-          </a:p>
-          <a:p>
-            <a:r>
-              <a:rPr lang="en-US" dirty="0"/>
-              <a:t>This explains the Dr. case but not the summation case! So something more complicated is going on.</a:t>
-            </a:r>
-          </a:p>
-          <a:p>
-            <a:r>
-              <a:rPr lang="en-US" dirty="0"/>
-              <a:t>And elaborating this idea is going to take us the next 13 weeks!</a:t>
+              <a:rPr lang="en-US" dirty="0"/>
+              <a:t> gives us natural accounts of:</a:t>
+            </a:r>
+          </a:p>
+          <a:p>
+            <a:r>
+              <a:rPr lang="en-US" dirty="0"/>
+              <a:t>Reasoning</a:t>
+            </a:r>
+          </a:p>
+          <a:p>
+            <a:pPr lvl="1"/>
+            <a:r>
+              <a:rPr lang="en-US" dirty="0"/>
+              <a:t>Can you see what the </a:t>
+            </a:r>
+            <a:r>
+              <a:rPr lang="en-US" dirty="0" err="1"/>
+              <a:t>LoT</a:t>
+            </a:r>
+            <a:r>
+              <a:rPr lang="en-US" dirty="0"/>
+              <a:t> would say about reasoning?</a:t>
+            </a:r>
+          </a:p>
+          <a:p>
+            <a:r>
+              <a:rPr lang="en-US" dirty="0"/>
+              <a:t>Why some mental representations feel more ‘complex’ than others</a:t>
+            </a:r>
+          </a:p>
+          <a:p>
+            <a:pPr lvl="1"/>
+            <a:r>
+              <a:rPr lang="en-US" dirty="0"/>
+              <a:t>Can you see why?</a:t>
+            </a:r>
+          </a:p>
+          <a:p>
+            <a:r>
+              <a:rPr lang="en-US" dirty="0"/>
+              <a:t>Connections between the meanings of different mental representations</a:t>
+            </a:r>
+          </a:p>
+          <a:p>
+            <a:r>
+              <a:rPr lang="en-US" dirty="0"/>
+              <a:t>The apparently close relations between thought and language</a:t>
+            </a:r>
+          </a:p>
+          <a:p>
+            <a:r>
+              <a:rPr lang="en-US" dirty="0"/>
+              <a:t>How can we have infinitely many thoughts</a:t>
+            </a:r>
+          </a:p>
+          <a:p>
+            <a:pPr lvl="1"/>
+            <a:r>
+              <a:rPr lang="en-US" dirty="0"/>
+              <a:t>Can you see why?</a:t>
             </a:r>
             <a:endParaRPr lang="en-DE" dirty="0"/>
           </a:p>
@@ -10579,7 +10497,7 @@
     </p:spTree>
     <p:extLst>
       <p:ext uri="{BB962C8B-B14F-4D97-AF65-F5344CB8AC3E}">
-        <p14:creationId xmlns:p14="http://schemas.microsoft.com/office/powerpoint/2010/main" val="1838447841"/>
+        <p14:creationId xmlns:p14="http://schemas.microsoft.com/office/powerpoint/2010/main" val="1877079649"/>
       </p:ext>
     </p:extLst>
   </p:cSld>
@@ -10611,6 +10529,148 @@
           <p:cNvPr id="2" name="Title 1">
             <a:extLst>
               <a:ext uri="{FF2B5EF4-FFF2-40B4-BE49-F238E27FC236}">
+                <a16:creationId xmlns:a16="http://schemas.microsoft.com/office/drawing/2014/main" id="{F00A92DB-C557-4007-9696-61D442A5C85F}"/>
+              </a:ext>
+            </a:extLst>
+          </p:cNvPr>
+          <p:cNvSpPr>
+            <a:spLocks noGrp="1"/>
+          </p:cNvSpPr>
+          <p:nvPr>
+            <p:ph type="title"/>
+          </p:nvPr>
+        </p:nvSpPr>
+        <p:spPr/>
+        <p:txBody>
+          <a:bodyPr/>
+          <a:lstStyle/>
+          <a:p>
+            <a:r>
+              <a:rPr lang="en-US" dirty="0"/>
+              <a:t>Back to rule learning</a:t>
+            </a:r>
+            <a:endParaRPr lang="en-DE" dirty="0"/>
+          </a:p>
+        </p:txBody>
+      </p:sp>
+      <p:sp>
+        <p:nvSpPr>
+          <p:cNvPr id="3" name="Content Placeholder 2">
+            <a:extLst>
+              <a:ext uri="{FF2B5EF4-FFF2-40B4-BE49-F238E27FC236}">
+                <a16:creationId xmlns:a16="http://schemas.microsoft.com/office/drawing/2014/main" id="{C4398464-D78C-440E-AD4D-049B8A339E02}"/>
+              </a:ext>
+            </a:extLst>
+          </p:cNvPr>
+          <p:cNvSpPr>
+            <a:spLocks noGrp="1"/>
+          </p:cNvSpPr>
+          <p:nvPr>
+            <p:ph idx="1"/>
+          </p:nvPr>
+        </p:nvSpPr>
+        <p:spPr/>
+        <p:txBody>
+          <a:bodyPr/>
+          <a:lstStyle/>
+          <a:p>
+            <a:r>
+              <a:rPr lang="en-US" dirty="0"/>
+              <a:t>So how does this all relate to the initial examples of rule learning?</a:t>
+            </a:r>
+          </a:p>
+          <a:p>
+            <a:r>
+              <a:rPr lang="en-US" dirty="0"/>
+              <a:t>The idea is that learning a rule from examples consists in finding some expression in the </a:t>
+            </a:r>
+            <a:r>
+              <a:rPr lang="en-US" dirty="0" err="1"/>
+              <a:t>LoT</a:t>
+            </a:r>
+            <a:r>
+              <a:rPr lang="en-US" dirty="0"/>
+              <a:t> that is consistent with the examples…</a:t>
+            </a:r>
+          </a:p>
+          <a:p>
+            <a:r>
+              <a:rPr lang="en-US" dirty="0"/>
+              <a:t>But consistency isn’t enough! Remember Wittgenstein. We need something more.</a:t>
+            </a:r>
+          </a:p>
+          <a:p>
+            <a:r>
+              <a:rPr lang="en-US" dirty="0"/>
+              <a:t>For instance, we could say that humans have a </a:t>
+            </a:r>
+            <a:r>
+              <a:rPr lang="en-US" i="1" dirty="0"/>
+              <a:t>prior preference for simpler </a:t>
+            </a:r>
+            <a:r>
+              <a:rPr lang="en-US" i="1" dirty="0" err="1"/>
+              <a:t>LoT</a:t>
+            </a:r>
+            <a:r>
+              <a:rPr lang="en-US" i="1" dirty="0"/>
+              <a:t> expressions</a:t>
+            </a:r>
+            <a:r>
+              <a:rPr lang="en-US" dirty="0"/>
+              <a:t>.</a:t>
+            </a:r>
+          </a:p>
+          <a:p>
+            <a:r>
+              <a:rPr lang="en-US" dirty="0"/>
+              <a:t>This explains the Dr. case but not the summation case! So something more complicated is going on.</a:t>
+            </a:r>
+          </a:p>
+          <a:p>
+            <a:r>
+              <a:rPr lang="en-US" dirty="0"/>
+              <a:t>And elaborating this idea is going to take us the next 13 weeks!</a:t>
+            </a:r>
+            <a:endParaRPr lang="en-DE" dirty="0"/>
+          </a:p>
+        </p:txBody>
+      </p:sp>
+    </p:spTree>
+    <p:extLst>
+      <p:ext uri="{BB962C8B-B14F-4D97-AF65-F5344CB8AC3E}">
+        <p14:creationId xmlns:p14="http://schemas.microsoft.com/office/powerpoint/2010/main" val="1838447841"/>
+      </p:ext>
+    </p:extLst>
+  </p:cSld>
+  <p:clrMapOvr>
+    <a:masterClrMapping/>
+  </p:clrMapOvr>
+</p:sld>
+</file>
+
+<file path=ppt/slides/slide28.xml><?xml version="1.0" encoding="utf-8"?>
+<p:sld xmlns:a="http://schemas.openxmlformats.org/drawingml/2006/main" xmlns:r="http://schemas.openxmlformats.org/officeDocument/2006/relationships" xmlns:p="http://schemas.openxmlformats.org/presentationml/2006/main">
+  <p:cSld>
+    <p:spTree>
+      <p:nvGrpSpPr>
+        <p:cNvPr id="1" name=""/>
+        <p:cNvGrpSpPr/>
+        <p:nvPr/>
+      </p:nvGrpSpPr>
+      <p:grpSpPr>
+        <a:xfrm>
+          <a:off x="0" y="0"/>
+          <a:ext cx="0" cy="0"/>
+          <a:chOff x="0" y="0"/>
+          <a:chExt cx="0" cy="0"/>
+        </a:xfrm>
+      </p:grpSpPr>
+      <p:sp>
+        <p:nvSpPr>
+          <p:cNvPr id="2" name="Title 1">
+            <a:extLst>
+              <a:ext uri="{FF2B5EF4-FFF2-40B4-BE49-F238E27FC236}">
                 <a16:creationId xmlns:a16="http://schemas.microsoft.com/office/drawing/2014/main" id="{D51839B7-751F-4DB6-84EA-9E32B36FA88C}"/>
               </a:ext>
             </a:extLst>
@@ -10757,7 +10817,7 @@
 </p:sld>
 </file>
 
-<file path=ppt/slides/slide28.xml><?xml version="1.0" encoding="utf-8"?>
+<file path=ppt/slides/slide29.xml><?xml version="1.0" encoding="utf-8"?>
 <p:sld xmlns:a="http://schemas.openxmlformats.org/drawingml/2006/main" xmlns:r="http://schemas.openxmlformats.org/officeDocument/2006/relationships" xmlns:p="http://schemas.openxmlformats.org/presentationml/2006/main">
   <p:cSld>
     <p:spTree>
@@ -10934,157 +10994,6 @@
 </p:sld>
 </file>
 
-<file path=ppt/slides/slide29.xml><?xml version="1.0" encoding="utf-8"?>
-<p:sld xmlns:a="http://schemas.openxmlformats.org/drawingml/2006/main" xmlns:r="http://schemas.openxmlformats.org/officeDocument/2006/relationships" xmlns:p="http://schemas.openxmlformats.org/presentationml/2006/main">
-  <p:cSld>
-    <p:spTree>
-      <p:nvGrpSpPr>
-        <p:cNvPr id="1" name=""/>
-        <p:cNvGrpSpPr/>
-        <p:nvPr/>
-      </p:nvGrpSpPr>
-      <p:grpSpPr>
-        <a:xfrm>
-          <a:off x="0" y="0"/>
-          <a:ext cx="0" cy="0"/>
-          <a:chOff x="0" y="0"/>
-          <a:chExt cx="0" cy="0"/>
-        </a:xfrm>
-      </p:grpSpPr>
-      <p:sp>
-        <p:nvSpPr>
-          <p:cNvPr id="2" name="Title 1">
-            <a:extLst>
-              <a:ext uri="{FF2B5EF4-FFF2-40B4-BE49-F238E27FC236}">
-                <a16:creationId xmlns:a16="http://schemas.microsoft.com/office/drawing/2014/main" id="{DD50D9BD-A293-46AB-8FE1-3DC9E431D202}"/>
-              </a:ext>
-            </a:extLst>
-          </p:cNvPr>
-          <p:cNvSpPr>
-            <a:spLocks noGrp="1"/>
-          </p:cNvSpPr>
-          <p:nvPr>
-            <p:ph type="title"/>
-          </p:nvPr>
-        </p:nvSpPr>
-        <p:spPr/>
-        <p:txBody>
-          <a:bodyPr/>
-          <a:lstStyle/>
-          <a:p>
-            <a:r>
-              <a:rPr lang="en-US" dirty="0"/>
-              <a:t>Next time I</a:t>
-            </a:r>
-            <a:endParaRPr lang="en-DE" dirty="0"/>
-          </a:p>
-        </p:txBody>
-      </p:sp>
-      <p:sp>
-        <p:nvSpPr>
-          <p:cNvPr id="3" name="Content Placeholder 2">
-            <a:extLst>
-              <a:ext uri="{FF2B5EF4-FFF2-40B4-BE49-F238E27FC236}">
-                <a16:creationId xmlns:a16="http://schemas.microsoft.com/office/drawing/2014/main" id="{3FDCF334-0764-4736-8C7E-FB8ACACCF3F5}"/>
-              </a:ext>
-            </a:extLst>
-          </p:cNvPr>
-          <p:cNvSpPr>
-            <a:spLocks noGrp="1"/>
-          </p:cNvSpPr>
-          <p:nvPr>
-            <p:ph idx="1"/>
-          </p:nvPr>
-        </p:nvSpPr>
-        <p:spPr/>
-        <p:txBody>
-          <a:bodyPr/>
-          <a:lstStyle/>
-          <a:p>
-            <a:r>
-              <a:rPr lang="en-US" dirty="0"/>
-              <a:t>In the next </a:t>
-            </a:r>
-            <a:r>
-              <a:rPr lang="en-US" i="1" dirty="0"/>
-              <a:t>lab</a:t>
-            </a:r>
-            <a:r>
-              <a:rPr lang="en-US" dirty="0"/>
-              <a:t>, we’ll start getting you all set up with running the lab notebooks, and we will also start with a 3-weeks-long introduction to python </a:t>
-            </a:r>
-          </a:p>
-          <a:p>
-            <a:pPr lvl="1"/>
-            <a:r>
-              <a:rPr lang="en-US" dirty="0"/>
-              <a:t>Although this plan might change depending on what people’s background is!</a:t>
-            </a:r>
-          </a:p>
-          <a:p>
-            <a:r>
-              <a:rPr lang="en-US" dirty="0"/>
-              <a:t>In the next </a:t>
-            </a:r>
-            <a:r>
-              <a:rPr lang="en-US" i="1" dirty="0"/>
-              <a:t>lecture</a:t>
-            </a:r>
-            <a:r>
-              <a:rPr lang="en-US" dirty="0"/>
-              <a:t>, we’ll continue our exploration in the philosophical / conceptual foundation of the Language of Thought. We’ll see some arguments in </a:t>
-            </a:r>
-            <a:r>
-              <a:rPr lang="en-US" dirty="0" err="1"/>
-              <a:t>favour</a:t>
-            </a:r>
-            <a:r>
-              <a:rPr lang="en-US" dirty="0"/>
-              <a:t> of the </a:t>
-            </a:r>
-            <a:r>
-              <a:rPr lang="en-US" dirty="0" err="1"/>
-              <a:t>LoTH</a:t>
-            </a:r>
-            <a:r>
-              <a:rPr lang="en-US" dirty="0"/>
-              <a:t>.</a:t>
-            </a:r>
-          </a:p>
-          <a:p>
-            <a:r>
-              <a:rPr lang="en-US" dirty="0"/>
-              <a:t>If you’re feeling like you want more in the meantime, you can watch this: </a:t>
-            </a:r>
-            <a:r>
-              <a:rPr lang="en-US" dirty="0">
-                <a:hlinkClick r:id="rId2"/>
-              </a:rPr>
-              <a:t>https://www.youtube.com/watch?v=gjc5h-czorI</a:t>
-            </a:r>
-            <a:r>
-              <a:rPr lang="en-US" dirty="0"/>
-              <a:t> </a:t>
-            </a:r>
-          </a:p>
-          <a:p>
-            <a:endParaRPr lang="en-DE" dirty="0"/>
-          </a:p>
-        </p:txBody>
-      </p:sp>
-    </p:spTree>
-    <p:extLst>
-      <p:ext uri="{BB962C8B-B14F-4D97-AF65-F5344CB8AC3E}">
-        <p14:creationId xmlns:p14="http://schemas.microsoft.com/office/powerpoint/2010/main" val="4195365379"/>
-      </p:ext>
-    </p:extLst>
-  </p:cSld>
-  <p:clrMapOvr>
-    <a:masterClrMapping/>
-  </p:clrMapOvr>
-</p:sld>
-</file>
-
 <file path=ppt/slides/slide3.xml><?xml version="1.0" encoding="utf-8"?>
 <p:sld xmlns:a="http://schemas.openxmlformats.org/drawingml/2006/main" xmlns:r="http://schemas.openxmlformats.org/officeDocument/2006/relationships" xmlns:p="http://schemas.openxmlformats.org/presentationml/2006/main">
   <p:cSld>
@@ -11150,7 +11059,7 @@
         <p:spPr/>
         <p:txBody>
           <a:bodyPr>
-            <a:normAutofit fontScale="92500" lnSpcReduction="10000"/>
+            <a:normAutofit fontScale="92500" lnSpcReduction="20000"/>
           </a:bodyPr>
           <a:lstStyle/>
           <a:p>
@@ -11191,13 +11100,8 @@
             <a:pPr lvl="1"/>
             <a:r>
               <a:rPr lang="en-US" dirty="0"/>
-              <a:t>Let me know if you’d like those additional sessions! I’ll explain </a:t>
-            </a:r>
-            <a:r>
-              <a:rPr lang="en-US"/>
-              <a:t>how in a sec.</a:t>
-            </a:r>
-            <a:endParaRPr lang="en-US" dirty="0"/>
+              <a:t>Let me know if you’d like those additional sessions! I’ll explain how in a sec.</a:t>
+            </a:r>
           </a:p>
           <a:p>
             <a:r>
@@ -11218,26 +11122,34 @@
           <a:p>
             <a:r>
               <a:rPr lang="en-US" dirty="0"/>
-              <a:t>The website contains the lab materials </a:t>
+              <a:t>The website contains </a:t>
             </a:r>
           </a:p>
           <a:p>
             <a:pPr lvl="1"/>
             <a:r>
               <a:rPr lang="en-US" dirty="0"/>
-              <a:t>More on this in this week’s lab!</a:t>
-            </a:r>
-          </a:p>
-          <a:p>
-            <a:r>
-              <a:rPr lang="en-US" dirty="0"/>
-              <a:t>And also various info on the course.</a:t>
-            </a:r>
-          </a:p>
-          <a:p>
-            <a:r>
-              <a:rPr lang="en-US" dirty="0"/>
-              <a:t>I’ll put the lectures on ALMA.</a:t>
+              <a:t>The course materials (more on this in this week’s lab!)</a:t>
+            </a:r>
+          </a:p>
+          <a:p>
+            <a:pPr lvl="1"/>
+            <a:r>
+              <a:rPr lang="en-US" dirty="0"/>
+              <a:t>Various info on the course.</a:t>
+            </a:r>
+          </a:p>
+          <a:p>
+            <a:pPr lvl="1"/>
+            <a:r>
+              <a:rPr lang="en-US" dirty="0"/>
+              <a:t>The lecture slides.</a:t>
+            </a:r>
+          </a:p>
+          <a:p>
+            <a:r>
+              <a:rPr lang="en-US" dirty="0"/>
+              <a:t>The website is not done yet, I will update it during the semester as we go.</a:t>
             </a:r>
           </a:p>
         </p:txBody>
@@ -11323,6 +11235,157 @@
           <a:lstStyle/>
           <a:p>
             <a:r>
+              <a:rPr lang="en-US" dirty="0"/>
+              <a:t>In the next </a:t>
+            </a:r>
+            <a:r>
+              <a:rPr lang="en-US" i="1" dirty="0"/>
+              <a:t>lab</a:t>
+            </a:r>
+            <a:r>
+              <a:rPr lang="en-US" dirty="0"/>
+              <a:t>, we’ll start getting you all set up with running the lab notebooks, and we will also start with a 3-weeks-long introduction to python </a:t>
+            </a:r>
+          </a:p>
+          <a:p>
+            <a:pPr lvl="1"/>
+            <a:r>
+              <a:rPr lang="en-US" dirty="0"/>
+              <a:t>Although this plan might change depending on what people’s background is!</a:t>
+            </a:r>
+          </a:p>
+          <a:p>
+            <a:r>
+              <a:rPr lang="en-US" dirty="0"/>
+              <a:t>In the next </a:t>
+            </a:r>
+            <a:r>
+              <a:rPr lang="en-US" i="1" dirty="0"/>
+              <a:t>lecture</a:t>
+            </a:r>
+            <a:r>
+              <a:rPr lang="en-US" dirty="0"/>
+              <a:t>, we’ll continue our exploration in the philosophical / conceptual foundation of the Language of Thought. We’ll see some arguments in </a:t>
+            </a:r>
+            <a:r>
+              <a:rPr lang="en-US" dirty="0" err="1"/>
+              <a:t>favour</a:t>
+            </a:r>
+            <a:r>
+              <a:rPr lang="en-US" dirty="0"/>
+              <a:t> of the </a:t>
+            </a:r>
+            <a:r>
+              <a:rPr lang="en-US" dirty="0" err="1"/>
+              <a:t>LoTH</a:t>
+            </a:r>
+            <a:r>
+              <a:rPr lang="en-US" dirty="0"/>
+              <a:t>.</a:t>
+            </a:r>
+          </a:p>
+          <a:p>
+            <a:r>
+              <a:rPr lang="en-US" dirty="0"/>
+              <a:t>If you’re feeling like you want more in the meantime, you can watch this: </a:t>
+            </a:r>
+            <a:r>
+              <a:rPr lang="en-US" dirty="0">
+                <a:hlinkClick r:id="rId2"/>
+              </a:rPr>
+              <a:t>https://www.youtube.com/watch?v=gjc5h-czorI</a:t>
+            </a:r>
+            <a:r>
+              <a:rPr lang="en-US" dirty="0"/>
+              <a:t> </a:t>
+            </a:r>
+          </a:p>
+          <a:p>
+            <a:endParaRPr lang="en-DE" dirty="0"/>
+          </a:p>
+        </p:txBody>
+      </p:sp>
+    </p:spTree>
+    <p:extLst>
+      <p:ext uri="{BB962C8B-B14F-4D97-AF65-F5344CB8AC3E}">
+        <p14:creationId xmlns:p14="http://schemas.microsoft.com/office/powerpoint/2010/main" val="4195365379"/>
+      </p:ext>
+    </p:extLst>
+  </p:cSld>
+  <p:clrMapOvr>
+    <a:masterClrMapping/>
+  </p:clrMapOvr>
+</p:sld>
+</file>
+
+<file path=ppt/slides/slide31.xml><?xml version="1.0" encoding="utf-8"?>
+<p:sld xmlns:a="http://schemas.openxmlformats.org/drawingml/2006/main" xmlns:r="http://schemas.openxmlformats.org/officeDocument/2006/relationships" xmlns:p="http://schemas.openxmlformats.org/presentationml/2006/main">
+  <p:cSld>
+    <p:spTree>
+      <p:nvGrpSpPr>
+        <p:cNvPr id="1" name=""/>
+        <p:cNvGrpSpPr/>
+        <p:nvPr/>
+      </p:nvGrpSpPr>
+      <p:grpSpPr>
+        <a:xfrm>
+          <a:off x="0" y="0"/>
+          <a:ext cx="0" cy="0"/>
+          <a:chOff x="0" y="0"/>
+          <a:chExt cx="0" cy="0"/>
+        </a:xfrm>
+      </p:grpSpPr>
+      <p:sp>
+        <p:nvSpPr>
+          <p:cNvPr id="2" name="Title 1">
+            <a:extLst>
+              <a:ext uri="{FF2B5EF4-FFF2-40B4-BE49-F238E27FC236}">
+                <a16:creationId xmlns:a16="http://schemas.microsoft.com/office/drawing/2014/main" id="{DD50D9BD-A293-46AB-8FE1-3DC9E431D202}"/>
+              </a:ext>
+            </a:extLst>
+          </p:cNvPr>
+          <p:cNvSpPr>
+            <a:spLocks noGrp="1"/>
+          </p:cNvSpPr>
+          <p:nvPr>
+            <p:ph type="title"/>
+          </p:nvPr>
+        </p:nvSpPr>
+        <p:spPr/>
+        <p:txBody>
+          <a:bodyPr/>
+          <a:lstStyle/>
+          <a:p>
+            <a:r>
+              <a:rPr lang="en-US" dirty="0"/>
+              <a:t>Next time I</a:t>
+            </a:r>
+            <a:endParaRPr lang="en-DE" dirty="0"/>
+          </a:p>
+        </p:txBody>
+      </p:sp>
+      <p:sp>
+        <p:nvSpPr>
+          <p:cNvPr id="3" name="Content Placeholder 2">
+            <a:extLst>
+              <a:ext uri="{FF2B5EF4-FFF2-40B4-BE49-F238E27FC236}">
+                <a16:creationId xmlns:a16="http://schemas.microsoft.com/office/drawing/2014/main" id="{3FDCF334-0764-4736-8C7E-FB8ACACCF3F5}"/>
+              </a:ext>
+            </a:extLst>
+          </p:cNvPr>
+          <p:cNvSpPr>
+            <a:spLocks noGrp="1"/>
+          </p:cNvSpPr>
+          <p:nvPr>
+            <p:ph idx="1"/>
+          </p:nvPr>
+        </p:nvSpPr>
+        <p:spPr/>
+        <p:txBody>
+          <a:bodyPr/>
+          <a:lstStyle/>
+          <a:p>
+            <a:r>
               <a:rPr lang="it-IT" dirty="0"/>
               <a:t>The reading for </a:t>
             </a:r>
@@ -11389,7 +11452,7 @@
 </p:sld>
 </file>
 
-<file path=ppt/slides/slide31.xml><?xml version="1.0" encoding="utf-8"?>
+<file path=ppt/slides/slide32.xml><?xml version="1.0" encoding="utf-8"?>
 <p:sld xmlns:a="http://schemas.openxmlformats.org/drawingml/2006/main" xmlns:r="http://schemas.openxmlformats.org/officeDocument/2006/relationships" xmlns:p="http://schemas.openxmlformats.org/presentationml/2006/main">
   <p:cSld>
     <p:spTree>
@@ -12102,7 +12165,7 @@
           <p:cNvPr id="2" name="Title 1">
             <a:extLst>
               <a:ext uri="{FF2B5EF4-FFF2-40B4-BE49-F238E27FC236}">
-                <a16:creationId xmlns:a16="http://schemas.microsoft.com/office/drawing/2014/main" id="{804C26E0-D01A-4246-B2E9-A8C6D57D0200}"/>
+                <a16:creationId xmlns:a16="http://schemas.microsoft.com/office/drawing/2014/main" id="{8141F909-5B5B-45AF-9B0C-EF0F42C9EF10}"/>
               </a:ext>
             </a:extLst>
           </p:cNvPr>
@@ -12120,7 +12183,7 @@
           <a:p>
             <a:r>
               <a:rPr lang="en-US" dirty="0"/>
-              <a:t>Questions?</a:t>
+              <a:t>Concerning slides</a:t>
             </a:r>
             <a:endParaRPr lang="en-DE" dirty="0"/>
           </a:p>
@@ -12131,7 +12194,7 @@
           <p:cNvPr id="3" name="Content Placeholder 2">
             <a:extLst>
               <a:ext uri="{FF2B5EF4-FFF2-40B4-BE49-F238E27FC236}">
-                <a16:creationId xmlns:a16="http://schemas.microsoft.com/office/drawing/2014/main" id="{DF05312B-EE08-4DBC-A5AC-569BD19ADFAF}"/>
+                <a16:creationId xmlns:a16="http://schemas.microsoft.com/office/drawing/2014/main" id="{9B1E9F88-ED4C-4461-834C-2CCB1C45E34A}"/>
               </a:ext>
             </a:extLst>
           </p:cNvPr>
@@ -12144,28 +12207,34 @@
         </p:nvSpPr>
         <p:spPr/>
         <p:txBody>
-          <a:bodyPr/>
+          <a:bodyPr>
+            <a:normAutofit/>
+          </a:bodyPr>
           <a:lstStyle/>
           <a:p>
             <a:r>
               <a:rPr lang="en-US" dirty="0"/>
-              <a:t>Questions?</a:t>
-            </a:r>
-          </a:p>
-          <a:p>
-            <a:pPr lvl="1"/>
-            <a:r>
-              <a:rPr lang="en-US" dirty="0"/>
-              <a:t>Questions?</a:t>
-            </a:r>
-            <a:endParaRPr lang="en-DE" dirty="0"/>
+              <a:t>I know this is not ideal, but I will put quite a lot of text on the slides, and follow them quite closely during lectures.</a:t>
+            </a:r>
+          </a:p>
+          <a:p>
+            <a:r>
+              <a:rPr lang="en-US" dirty="0"/>
+              <a:t>I want to explain the reason for this choice: since we are not going to follow a textbook, ideally you should be able to reconstruct what was said in the lectures from the slides.</a:t>
+            </a:r>
+          </a:p>
+          <a:p>
+            <a:r>
+              <a:rPr lang="en-US" dirty="0"/>
+              <a:t>Nonetheless, when we are not talking </a:t>
+            </a:r>
           </a:p>
         </p:txBody>
       </p:sp>
     </p:spTree>
     <p:extLst>
       <p:ext uri="{BB962C8B-B14F-4D97-AF65-F5344CB8AC3E}">
-        <p14:creationId xmlns:p14="http://schemas.microsoft.com/office/powerpoint/2010/main" val="109468528"/>
+        <p14:creationId xmlns:p14="http://schemas.microsoft.com/office/powerpoint/2010/main" val="4155653853"/>
       </p:ext>
     </p:extLst>
   </p:cSld>
@@ -12197,15 +12266,15 @@
           <p:cNvPr id="2" name="Title 1">
             <a:extLst>
               <a:ext uri="{FF2B5EF4-FFF2-40B4-BE49-F238E27FC236}">
-                <a16:creationId xmlns:a16="http://schemas.microsoft.com/office/drawing/2014/main" id="{6432945A-87C5-4CCD-81E3-26BE84631118}"/>
-              </a:ext>
-            </a:extLst>
-          </p:cNvPr>
-          <p:cNvSpPr>
-            <a:spLocks noGrp="1"/>
-          </p:cNvSpPr>
-          <p:nvPr>
-            <p:ph type="ctrTitle"/>
+                <a16:creationId xmlns:a16="http://schemas.microsoft.com/office/drawing/2014/main" id="{804C26E0-D01A-4246-B2E9-A8C6D57D0200}"/>
+              </a:ext>
+            </a:extLst>
+          </p:cNvPr>
+          <p:cNvSpPr>
+            <a:spLocks noGrp="1"/>
+          </p:cNvSpPr>
+          <p:nvPr>
+            <p:ph type="title"/>
           </p:nvPr>
         </p:nvSpPr>
         <p:spPr/>
@@ -12215,7 +12284,43 @@
           <a:p>
             <a:r>
               <a:rPr lang="en-US" dirty="0"/>
-              <a:t>The very idea of a Language of Thought</a:t>
+              <a:t>Questions?</a:t>
+            </a:r>
+            <a:endParaRPr lang="en-DE" dirty="0"/>
+          </a:p>
+        </p:txBody>
+      </p:sp>
+      <p:sp>
+        <p:nvSpPr>
+          <p:cNvPr id="3" name="Content Placeholder 2">
+            <a:extLst>
+              <a:ext uri="{FF2B5EF4-FFF2-40B4-BE49-F238E27FC236}">
+                <a16:creationId xmlns:a16="http://schemas.microsoft.com/office/drawing/2014/main" id="{DF05312B-EE08-4DBC-A5AC-569BD19ADFAF}"/>
+              </a:ext>
+            </a:extLst>
+          </p:cNvPr>
+          <p:cNvSpPr>
+            <a:spLocks noGrp="1"/>
+          </p:cNvSpPr>
+          <p:nvPr>
+            <p:ph idx="1"/>
+          </p:nvPr>
+        </p:nvSpPr>
+        <p:spPr/>
+        <p:txBody>
+          <a:bodyPr/>
+          <a:lstStyle/>
+          <a:p>
+            <a:r>
+              <a:rPr lang="en-US" dirty="0"/>
+              <a:t>Questions?</a:t>
+            </a:r>
+          </a:p>
+          <a:p>
+            <a:pPr lvl="1"/>
+            <a:r>
+              <a:rPr lang="en-US" dirty="0"/>
+              <a:t>Questions?</a:t>
             </a:r>
             <a:endParaRPr lang="en-DE" dirty="0"/>
           </a:p>
@@ -12224,7 +12329,7 @@
     </p:spTree>
     <p:extLst>
       <p:ext uri="{BB962C8B-B14F-4D97-AF65-F5344CB8AC3E}">
-        <p14:creationId xmlns:p14="http://schemas.microsoft.com/office/powerpoint/2010/main" val="2440136080"/>
+        <p14:creationId xmlns:p14="http://schemas.microsoft.com/office/powerpoint/2010/main" val="109468528"/>
       </p:ext>
     </p:extLst>
   </p:cSld>

--- a/1_introduction.pptx
+++ b/1_introduction.pptx
@@ -5,7 +5,7 @@
     <p:sldMasterId id="2147483648" r:id="rId1"/>
   </p:sldMasterIdLst>
   <p:notesMasterIdLst>
-    <p:notesMasterId r:id="rId34"/>
+    <p:notesMasterId r:id="rId35"/>
   </p:notesMasterIdLst>
   <p:sldIdLst>
     <p:sldId id="256" r:id="rId2"/>
@@ -18,28 +18,29 @@
     <p:sldId id="287" r:id="rId9"/>
     <p:sldId id="288" r:id="rId10"/>
     <p:sldId id="263" r:id="rId11"/>
-    <p:sldId id="257" r:id="rId12"/>
-    <p:sldId id="258" r:id="rId13"/>
-    <p:sldId id="259" r:id="rId14"/>
-    <p:sldId id="270" r:id="rId15"/>
-    <p:sldId id="271" r:id="rId16"/>
-    <p:sldId id="272" r:id="rId17"/>
-    <p:sldId id="273" r:id="rId18"/>
-    <p:sldId id="275" r:id="rId19"/>
-    <p:sldId id="274" r:id="rId20"/>
-    <p:sldId id="276" r:id="rId21"/>
-    <p:sldId id="279" r:id="rId22"/>
-    <p:sldId id="283" r:id="rId23"/>
-    <p:sldId id="280" r:id="rId24"/>
-    <p:sldId id="268" r:id="rId25"/>
-    <p:sldId id="284" r:id="rId26"/>
-    <p:sldId id="282" r:id="rId27"/>
-    <p:sldId id="277" r:id="rId28"/>
-    <p:sldId id="281" r:id="rId29"/>
-    <p:sldId id="266" r:id="rId30"/>
-    <p:sldId id="278" r:id="rId31"/>
-    <p:sldId id="286" r:id="rId32"/>
-    <p:sldId id="285" r:id="rId33"/>
+    <p:sldId id="289" r:id="rId12"/>
+    <p:sldId id="257" r:id="rId13"/>
+    <p:sldId id="258" r:id="rId14"/>
+    <p:sldId id="259" r:id="rId15"/>
+    <p:sldId id="270" r:id="rId16"/>
+    <p:sldId id="271" r:id="rId17"/>
+    <p:sldId id="272" r:id="rId18"/>
+    <p:sldId id="273" r:id="rId19"/>
+    <p:sldId id="275" r:id="rId20"/>
+    <p:sldId id="274" r:id="rId21"/>
+    <p:sldId id="276" r:id="rId22"/>
+    <p:sldId id="279" r:id="rId23"/>
+    <p:sldId id="283" r:id="rId24"/>
+    <p:sldId id="280" r:id="rId25"/>
+    <p:sldId id="268" r:id="rId26"/>
+    <p:sldId id="284" r:id="rId27"/>
+    <p:sldId id="282" r:id="rId28"/>
+    <p:sldId id="277" r:id="rId29"/>
+    <p:sldId id="281" r:id="rId30"/>
+    <p:sldId id="266" r:id="rId31"/>
+    <p:sldId id="278" r:id="rId32"/>
+    <p:sldId id="286" r:id="rId33"/>
+    <p:sldId id="285" r:id="rId34"/>
   </p:sldIdLst>
   <p:sldSz cx="12192000" cy="6858000"/>
   <p:notesSz cx="6858000" cy="9144000"/>
@@ -231,7 +232,7 @@
           <a:p>
             <a:fld id="{06253CCA-C154-4C2A-AEFE-CC2D929D183B}" type="datetimeFigureOut">
               <a:rPr lang="en-DE" smtClean="0"/>
-              <a:t>19/04/2022</a:t>
+              <a:t>20/04/2022</a:t>
             </a:fld>
             <a:endParaRPr lang="en-DE"/>
           </a:p>
@@ -652,7 +653,7 @@
           <a:p>
             <a:fld id="{ED94CEEB-4757-4CEF-A2B8-DD5B351715CD}" type="datetimeFigureOut">
               <a:rPr lang="en-DE" smtClean="0"/>
-              <a:t>19/04/2022</a:t>
+              <a:t>20/04/2022</a:t>
             </a:fld>
             <a:endParaRPr lang="en-DE"/>
           </a:p>
@@ -903,7 +904,7 @@
           <a:p>
             <a:fld id="{ED94CEEB-4757-4CEF-A2B8-DD5B351715CD}" type="datetimeFigureOut">
               <a:rPr lang="en-DE" smtClean="0"/>
-              <a:t>19/04/2022</a:t>
+              <a:t>20/04/2022</a:t>
             </a:fld>
             <a:endParaRPr lang="en-DE"/>
           </a:p>
@@ -1113,7 +1114,7 @@
           <a:p>
             <a:fld id="{ED94CEEB-4757-4CEF-A2B8-DD5B351715CD}" type="datetimeFigureOut">
               <a:rPr lang="en-DE" smtClean="0"/>
-              <a:t>19/04/2022</a:t>
+              <a:t>20/04/2022</a:t>
             </a:fld>
             <a:endParaRPr lang="en-DE"/>
           </a:p>
@@ -1347,7 +1348,7 @@
           <a:p>
             <a:fld id="{ED94CEEB-4757-4CEF-A2B8-DD5B351715CD}" type="datetimeFigureOut">
               <a:rPr lang="en-DE" smtClean="0"/>
-              <a:t>19/04/2022</a:t>
+              <a:t>20/04/2022</a:t>
             </a:fld>
             <a:endParaRPr lang="en-DE"/>
           </a:p>
@@ -1670,7 +1671,7 @@
           <a:p>
             <a:fld id="{ED94CEEB-4757-4CEF-A2B8-DD5B351715CD}" type="datetimeFigureOut">
               <a:rPr lang="en-DE" smtClean="0"/>
-              <a:t>19/04/2022</a:t>
+              <a:t>20/04/2022</a:t>
             </a:fld>
             <a:endParaRPr lang="en-DE"/>
           </a:p>
@@ -1938,7 +1939,7 @@
           <a:p>
             <a:fld id="{ED94CEEB-4757-4CEF-A2B8-DD5B351715CD}" type="datetimeFigureOut">
               <a:rPr lang="en-DE" smtClean="0"/>
-              <a:t>19/04/2022</a:t>
+              <a:t>20/04/2022</a:t>
             </a:fld>
             <a:endParaRPr lang="en-DE"/>
           </a:p>
@@ -2353,7 +2354,7 @@
           <a:p>
             <a:fld id="{ED94CEEB-4757-4CEF-A2B8-DD5B351715CD}" type="datetimeFigureOut">
               <a:rPr lang="en-DE" smtClean="0"/>
-              <a:t>19/04/2022</a:t>
+              <a:t>20/04/2022</a:t>
             </a:fld>
             <a:endParaRPr lang="en-DE"/>
           </a:p>
@@ -2495,7 +2496,7 @@
           <a:p>
             <a:fld id="{ED94CEEB-4757-4CEF-A2B8-DD5B351715CD}" type="datetimeFigureOut">
               <a:rPr lang="en-DE" smtClean="0"/>
-              <a:t>19/04/2022</a:t>
+              <a:t>20/04/2022</a:t>
             </a:fld>
             <a:endParaRPr lang="en-DE"/>
           </a:p>
@@ -2608,7 +2609,7 @@
           <a:p>
             <a:fld id="{ED94CEEB-4757-4CEF-A2B8-DD5B351715CD}" type="datetimeFigureOut">
               <a:rPr lang="en-DE" smtClean="0"/>
-              <a:t>19/04/2022</a:t>
+              <a:t>20/04/2022</a:t>
             </a:fld>
             <a:endParaRPr lang="en-DE"/>
           </a:p>
@@ -2921,7 +2922,7 @@
           <a:p>
             <a:fld id="{ED94CEEB-4757-4CEF-A2B8-DD5B351715CD}" type="datetimeFigureOut">
               <a:rPr lang="en-DE" smtClean="0"/>
-              <a:t>19/04/2022</a:t>
+              <a:t>20/04/2022</a:t>
             </a:fld>
             <a:endParaRPr lang="en-DE"/>
           </a:p>
@@ -3210,7 +3211,7 @@
           <a:p>
             <a:fld id="{ED94CEEB-4757-4CEF-A2B8-DD5B351715CD}" type="datetimeFigureOut">
               <a:rPr lang="en-DE" smtClean="0"/>
-              <a:t>19/04/2022</a:t>
+              <a:t>20/04/2022</a:t>
             </a:fld>
             <a:endParaRPr lang="en-DE"/>
           </a:p>
@@ -3453,7 +3454,7 @@
           <a:p>
             <a:fld id="{ED94CEEB-4757-4CEF-A2B8-DD5B351715CD}" type="datetimeFigureOut">
               <a:rPr lang="en-DE" smtClean="0"/>
-              <a:t>19/04/2022</a:t>
+              <a:t>20/04/2022</a:t>
             </a:fld>
             <a:endParaRPr lang="en-DE"/>
           </a:p>
@@ -4048,6 +4049,83 @@
 </file>
 
 <file path=ppt/slides/slide11.xml><?xml version="1.0" encoding="utf-8"?>
+<p:sld xmlns:a="http://schemas.openxmlformats.org/drawingml/2006/main" xmlns:r="http://schemas.openxmlformats.org/officeDocument/2006/relationships" xmlns:p="http://schemas.openxmlformats.org/presentationml/2006/main">
+  <p:cSld>
+    <p:spTree>
+      <p:nvGrpSpPr>
+        <p:cNvPr id="1" name=""/>
+        <p:cNvGrpSpPr/>
+        <p:nvPr/>
+      </p:nvGrpSpPr>
+      <p:grpSpPr>
+        <a:xfrm>
+          <a:off x="0" y="0"/>
+          <a:ext cx="0" cy="0"/>
+          <a:chOff x="0" y="0"/>
+          <a:chExt cx="0" cy="0"/>
+        </a:xfrm>
+      </p:grpSpPr>
+      <p:pic>
+        <p:nvPicPr>
+          <p:cNvPr id="4" name="Picture 2" descr="Immagine">
+            <a:extLst>
+              <a:ext uri="{FF2B5EF4-FFF2-40B4-BE49-F238E27FC236}">
+                <a16:creationId xmlns:a16="http://schemas.microsoft.com/office/drawing/2014/main" id="{3B2ACB08-6DA8-4705-9173-E5901B3FE3F8}"/>
+              </a:ext>
+            </a:extLst>
+          </p:cNvPr>
+          <p:cNvPicPr>
+            <a:picLocks noChangeAspect="1" noChangeArrowheads="1"/>
+          </p:cNvPicPr>
+          <p:nvPr/>
+        </p:nvPicPr>
+        <p:blipFill>
+          <a:blip r:embed="rId2">
+            <a:extLst>
+              <a:ext uri="{28A0092B-C50C-407E-A947-70E740481C1C}">
+                <a14:useLocalDpi xmlns:a14="http://schemas.microsoft.com/office/drawing/2010/main" val="0"/>
+              </a:ext>
+            </a:extLst>
+          </a:blip>
+          <a:srcRect/>
+          <a:stretch>
+            <a:fillRect/>
+          </a:stretch>
+        </p:blipFill>
+        <p:spPr bwMode="auto">
+          <a:xfrm>
+            <a:off x="0" y="118268"/>
+            <a:ext cx="12192000" cy="6621463"/>
+          </a:xfrm>
+          <a:prstGeom prst="rect">
+            <a:avLst/>
+          </a:prstGeom>
+          <a:noFill/>
+          <a:extLst>
+            <a:ext uri="{909E8E84-426E-40DD-AFC4-6F175D3DCCD1}">
+              <a14:hiddenFill xmlns:a14="http://schemas.microsoft.com/office/drawing/2010/main">
+                <a:solidFill>
+                  <a:srgbClr val="FFFFFF"/>
+                </a:solidFill>
+              </a14:hiddenFill>
+            </a:ext>
+          </a:extLst>
+        </p:spPr>
+      </p:pic>
+    </p:spTree>
+    <p:extLst>
+      <p:ext uri="{BB962C8B-B14F-4D97-AF65-F5344CB8AC3E}">
+        <p14:creationId xmlns:p14="http://schemas.microsoft.com/office/powerpoint/2010/main" val="2021614033"/>
+      </p:ext>
+    </p:extLst>
+  </p:cSld>
+  <p:clrMapOvr>
+    <a:masterClrMapping/>
+  </p:clrMapOvr>
+</p:sld>
+</file>
+
+<file path=ppt/slides/slide12.xml><?xml version="1.0" encoding="utf-8"?>
 <p:sld xmlns:a="http://schemas.openxmlformats.org/drawingml/2006/main" xmlns:r="http://schemas.openxmlformats.org/officeDocument/2006/relationships" xmlns:p="http://schemas.openxmlformats.org/presentationml/2006/main">
   <p:cSld>
     <p:spTree>
@@ -4823,7 +4901,7 @@
 </p:sld>
 </file>
 
-<file path=ppt/slides/slide12.xml><?xml version="1.0" encoding="utf-8"?>
+<file path=ppt/slides/slide13.xml><?xml version="1.0" encoding="utf-8"?>
 <p:sld xmlns:a="http://schemas.openxmlformats.org/drawingml/2006/main" xmlns:r="http://schemas.openxmlformats.org/officeDocument/2006/relationships" xmlns:p="http://schemas.openxmlformats.org/presentationml/2006/main">
   <p:cSld>
     <p:spTree>
@@ -5242,7 +5320,7 @@
 </p:sld>
 </file>
 
-<file path=ppt/slides/slide13.xml><?xml version="1.0" encoding="utf-8"?>
+<file path=ppt/slides/slide14.xml><?xml version="1.0" encoding="utf-8"?>
 <p:sld xmlns:a="http://schemas.openxmlformats.org/drawingml/2006/main" xmlns:r="http://schemas.openxmlformats.org/officeDocument/2006/relationships" xmlns:p="http://schemas.openxmlformats.org/presentationml/2006/main">
   <p:cSld>
     <p:spTree>
@@ -5859,7 +5937,7 @@
 </p:sld>
 </file>
 
-<file path=ppt/slides/slide14.xml><?xml version="1.0" encoding="utf-8"?>
+<file path=ppt/slides/slide15.xml><?xml version="1.0" encoding="utf-8"?>
 <p:sld xmlns:a="http://schemas.openxmlformats.org/drawingml/2006/main" xmlns:r="http://schemas.openxmlformats.org/officeDocument/2006/relationships" xmlns:p="http://schemas.openxmlformats.org/presentationml/2006/main">
   <p:cSld>
     <p:spTree>
@@ -6898,11 +6976,7 @@
                                           </p:stCondLst>
                                         </p:cTn>
                                         <p:tgtEl>
-                                          <p:spTgt spid="3">
-                                            <p:txEl>
-                                              <p:pRg st="7" end="7"/>
-                                            </p:txEl>
-                                          </p:spTgt>
+                                          <p:spTgt spid="15"/>
                                         </p:tgtEl>
                                         <p:attrNameLst>
                                           <p:attrName>style.visibility</p:attrName>
@@ -6949,7 +7023,7 @@
                                         <p:tgtEl>
                                           <p:spTgt spid="3">
                                             <p:txEl>
-                                              <p:pRg st="8" end="8"/>
+                                              <p:pRg st="7" end="7"/>
                                             </p:txEl>
                                           </p:spTgt>
                                         </p:tgtEl>
@@ -6998,7 +7072,7 @@
                                         <p:tgtEl>
                                           <p:spTgt spid="3">
                                             <p:txEl>
-                                              <p:pRg st="9" end="9"/>
+                                              <p:pRg st="8" end="8"/>
                                             </p:txEl>
                                           </p:spTgt>
                                         </p:tgtEl>
@@ -7047,7 +7121,7 @@
                                         <p:tgtEl>
                                           <p:spTgt spid="3">
                                             <p:txEl>
-                                              <p:pRg st="10" end="10"/>
+                                              <p:pRg st="9" end="9"/>
                                             </p:txEl>
                                           </p:spTgt>
                                         </p:tgtEl>
@@ -7096,7 +7170,7 @@
                                         <p:tgtEl>
                                           <p:spTgt spid="3">
                                             <p:txEl>
-                                              <p:pRg st="11" end="11"/>
+                                              <p:pRg st="10" end="10"/>
                                             </p:txEl>
                                           </p:spTgt>
                                         </p:tgtEl>
@@ -7143,7 +7217,11 @@
                                           </p:stCondLst>
                                         </p:cTn>
                                         <p:tgtEl>
-                                          <p:spTgt spid="15"/>
+                                          <p:spTgt spid="3">
+                                            <p:txEl>
+                                              <p:pRg st="11" end="11"/>
+                                            </p:txEl>
+                                          </p:spTgt>
                                         </p:tgtEl>
                                         <p:attrNameLst>
                                           <p:attrName>style.visibility</p:attrName>
@@ -7187,7 +7265,7 @@
 </p:sld>
 </file>
 
-<file path=ppt/slides/slide15.xml><?xml version="1.0" encoding="utf-8"?>
+<file path=ppt/slides/slide16.xml><?xml version="1.0" encoding="utf-8"?>
 <p:sld xmlns:a="http://schemas.openxmlformats.org/drawingml/2006/main" xmlns:r="http://schemas.openxmlformats.org/officeDocument/2006/relationships" xmlns:p="http://schemas.openxmlformats.org/presentationml/2006/main">
   <p:cSld>
     <p:spTree>
@@ -8067,7 +8145,7 @@
 </p:sld>
 </file>
 
-<file path=ppt/slides/slide16.xml><?xml version="1.0" encoding="utf-8"?>
+<file path=ppt/slides/slide17.xml><?xml version="1.0" encoding="utf-8"?>
 <p:sld xmlns:a="http://schemas.openxmlformats.org/drawingml/2006/main" xmlns:r="http://schemas.openxmlformats.org/officeDocument/2006/relationships" xmlns:p="http://schemas.openxmlformats.org/presentationml/2006/main">
   <p:cSld>
     <p:spTree>
@@ -9201,7 +9279,7 @@
 </p:sld>
 </file>
 
-<file path=ppt/slides/slide17.xml><?xml version="1.0" encoding="utf-8"?>
+<file path=ppt/slides/slide18.xml><?xml version="1.0" encoding="utf-8"?>
 <p:sld xmlns:a="http://schemas.openxmlformats.org/drawingml/2006/main" xmlns:r="http://schemas.openxmlformats.org/officeDocument/2006/relationships" xmlns:p="http://schemas.openxmlformats.org/presentationml/2006/main">
   <p:cSld>
     <p:spTree>
@@ -10084,7 +10162,7 @@
 </p:sld>
 </file>
 
-<file path=ppt/slides/slide18.xml><?xml version="1.0" encoding="utf-8"?>
+<file path=ppt/slides/slide19.xml><?xml version="1.0" encoding="utf-8"?>
 <p:sld xmlns:a="http://schemas.openxmlformats.org/drawingml/2006/main" xmlns:r="http://schemas.openxmlformats.org/officeDocument/2006/relationships" xmlns:p="http://schemas.openxmlformats.org/presentationml/2006/main">
   <p:cSld>
     <p:spTree>
@@ -11317,7 +11395,141 @@
 </p:sld>
 </file>
 
-<file path=ppt/slides/slide19.xml><?xml version="1.0" encoding="utf-8"?>
+<file path=ppt/slides/slide2.xml><?xml version="1.0" encoding="utf-8"?>
+<p:sld xmlns:a="http://schemas.openxmlformats.org/drawingml/2006/main" xmlns:r="http://schemas.openxmlformats.org/officeDocument/2006/relationships" xmlns:p="http://schemas.openxmlformats.org/presentationml/2006/main">
+  <p:cSld>
+    <p:spTree>
+      <p:nvGrpSpPr>
+        <p:cNvPr id="1" name=""/>
+        <p:cNvGrpSpPr/>
+        <p:nvPr/>
+      </p:nvGrpSpPr>
+      <p:grpSpPr>
+        <a:xfrm>
+          <a:off x="0" y="0"/>
+          <a:ext cx="0" cy="0"/>
+          <a:chOff x="0" y="0"/>
+          <a:chExt cx="0" cy="0"/>
+        </a:xfrm>
+      </p:grpSpPr>
+      <p:sp>
+        <p:nvSpPr>
+          <p:cNvPr id="2" name="Title 1">
+            <a:extLst>
+              <a:ext uri="{FF2B5EF4-FFF2-40B4-BE49-F238E27FC236}">
+                <a16:creationId xmlns:a16="http://schemas.microsoft.com/office/drawing/2014/main" id="{F231CAD1-BDAD-4862-AB73-C84427B10B9B}"/>
+              </a:ext>
+            </a:extLst>
+          </p:cNvPr>
+          <p:cNvSpPr>
+            <a:spLocks noGrp="1"/>
+          </p:cNvSpPr>
+          <p:nvPr>
+            <p:ph type="title"/>
+          </p:nvPr>
+        </p:nvSpPr>
+        <p:spPr/>
+        <p:txBody>
+          <a:bodyPr/>
+          <a:lstStyle/>
+          <a:p>
+            <a:r>
+              <a:rPr lang="en-US" dirty="0"/>
+              <a:t>Who are we?</a:t>
+            </a:r>
+            <a:endParaRPr lang="en-DE" dirty="0"/>
+          </a:p>
+        </p:txBody>
+      </p:sp>
+      <p:sp>
+        <p:nvSpPr>
+          <p:cNvPr id="3" name="Content Placeholder 2">
+            <a:extLst>
+              <a:ext uri="{FF2B5EF4-FFF2-40B4-BE49-F238E27FC236}">
+                <a16:creationId xmlns:a16="http://schemas.microsoft.com/office/drawing/2014/main" id="{A985F22D-DF39-4ABA-B42B-C8026EA9E063}"/>
+              </a:ext>
+            </a:extLst>
+          </p:cNvPr>
+          <p:cNvSpPr>
+            <a:spLocks noGrp="1"/>
+          </p:cNvSpPr>
+          <p:nvPr>
+            <p:ph idx="1"/>
+          </p:nvPr>
+        </p:nvSpPr>
+        <p:spPr>
+          <a:xfrm>
+            <a:off x="838200" y="1825625"/>
+            <a:ext cx="10190584" cy="4351338"/>
+          </a:xfrm>
+        </p:spPr>
+        <p:txBody>
+          <a:bodyPr anchor="ctr"/>
+          <a:lstStyle/>
+          <a:p>
+            <a:r>
+              <a:rPr lang="en-US" dirty="0"/>
+              <a:t>Let’s go around, and please say:</a:t>
+            </a:r>
+          </a:p>
+          <a:p>
+            <a:pPr lvl="1"/>
+            <a:r>
+              <a:rPr lang="en-US" dirty="0"/>
+              <a:t>Your name</a:t>
+            </a:r>
+          </a:p>
+          <a:p>
+            <a:pPr lvl="1"/>
+            <a:r>
+              <a:rPr lang="en-US" dirty="0"/>
+              <a:t>What you are studying?</a:t>
+            </a:r>
+          </a:p>
+          <a:p>
+            <a:pPr lvl="1"/>
+            <a:r>
+              <a:rPr lang="en-US" dirty="0"/>
+              <a:t>Why you are taking this course?</a:t>
+            </a:r>
+          </a:p>
+          <a:p>
+            <a:pPr lvl="1"/>
+            <a:r>
+              <a:rPr lang="en-US" dirty="0"/>
+              <a:t>What you are expecting from this course?</a:t>
+            </a:r>
+          </a:p>
+          <a:p>
+            <a:pPr lvl="1"/>
+            <a:r>
+              <a:rPr lang="en-US" dirty="0"/>
+              <a:t>Do you know any python / formal grammars / Bayesian probability?</a:t>
+            </a:r>
+          </a:p>
+          <a:p>
+            <a:pPr lvl="1"/>
+            <a:endParaRPr lang="en-US" dirty="0"/>
+          </a:p>
+          <a:p>
+            <a:endParaRPr lang="en-DE" dirty="0"/>
+          </a:p>
+        </p:txBody>
+      </p:sp>
+    </p:spTree>
+    <p:extLst>
+      <p:ext uri="{BB962C8B-B14F-4D97-AF65-F5344CB8AC3E}">
+        <p14:creationId xmlns:p14="http://schemas.microsoft.com/office/powerpoint/2010/main" val="1567595682"/>
+      </p:ext>
+    </p:extLst>
+  </p:cSld>
+  <p:clrMapOvr>
+    <a:masterClrMapping/>
+  </p:clrMapOvr>
+</p:sld>
+</file>
+
+<file path=ppt/slides/slide20.xml><?xml version="1.0" encoding="utf-8"?>
 <p:sld xmlns:a="http://schemas.openxmlformats.org/drawingml/2006/main" xmlns:r="http://schemas.openxmlformats.org/officeDocument/2006/relationships" xmlns:p="http://schemas.openxmlformats.org/presentationml/2006/main">
   <p:cSld>
     <p:spTree>
@@ -12332,141 +12544,7 @@
 </p:sld>
 </file>
 
-<file path=ppt/slides/slide2.xml><?xml version="1.0" encoding="utf-8"?>
-<p:sld xmlns:a="http://schemas.openxmlformats.org/drawingml/2006/main" xmlns:r="http://schemas.openxmlformats.org/officeDocument/2006/relationships" xmlns:p="http://schemas.openxmlformats.org/presentationml/2006/main">
-  <p:cSld>
-    <p:spTree>
-      <p:nvGrpSpPr>
-        <p:cNvPr id="1" name=""/>
-        <p:cNvGrpSpPr/>
-        <p:nvPr/>
-      </p:nvGrpSpPr>
-      <p:grpSpPr>
-        <a:xfrm>
-          <a:off x="0" y="0"/>
-          <a:ext cx="0" cy="0"/>
-          <a:chOff x="0" y="0"/>
-          <a:chExt cx="0" cy="0"/>
-        </a:xfrm>
-      </p:grpSpPr>
-      <p:sp>
-        <p:nvSpPr>
-          <p:cNvPr id="2" name="Title 1">
-            <a:extLst>
-              <a:ext uri="{FF2B5EF4-FFF2-40B4-BE49-F238E27FC236}">
-                <a16:creationId xmlns:a16="http://schemas.microsoft.com/office/drawing/2014/main" id="{F231CAD1-BDAD-4862-AB73-C84427B10B9B}"/>
-              </a:ext>
-            </a:extLst>
-          </p:cNvPr>
-          <p:cNvSpPr>
-            <a:spLocks noGrp="1"/>
-          </p:cNvSpPr>
-          <p:nvPr>
-            <p:ph type="title"/>
-          </p:nvPr>
-        </p:nvSpPr>
-        <p:spPr/>
-        <p:txBody>
-          <a:bodyPr/>
-          <a:lstStyle/>
-          <a:p>
-            <a:r>
-              <a:rPr lang="en-US" dirty="0"/>
-              <a:t>Who are we?</a:t>
-            </a:r>
-            <a:endParaRPr lang="en-DE" dirty="0"/>
-          </a:p>
-        </p:txBody>
-      </p:sp>
-      <p:sp>
-        <p:nvSpPr>
-          <p:cNvPr id="3" name="Content Placeholder 2">
-            <a:extLst>
-              <a:ext uri="{FF2B5EF4-FFF2-40B4-BE49-F238E27FC236}">
-                <a16:creationId xmlns:a16="http://schemas.microsoft.com/office/drawing/2014/main" id="{A985F22D-DF39-4ABA-B42B-C8026EA9E063}"/>
-              </a:ext>
-            </a:extLst>
-          </p:cNvPr>
-          <p:cNvSpPr>
-            <a:spLocks noGrp="1"/>
-          </p:cNvSpPr>
-          <p:nvPr>
-            <p:ph idx="1"/>
-          </p:nvPr>
-        </p:nvSpPr>
-        <p:spPr>
-          <a:xfrm>
-            <a:off x="838200" y="1825625"/>
-            <a:ext cx="10190584" cy="4351338"/>
-          </a:xfrm>
-        </p:spPr>
-        <p:txBody>
-          <a:bodyPr anchor="ctr"/>
-          <a:lstStyle/>
-          <a:p>
-            <a:r>
-              <a:rPr lang="en-US" dirty="0"/>
-              <a:t>Let’s go around, and please say:</a:t>
-            </a:r>
-          </a:p>
-          <a:p>
-            <a:pPr lvl="1"/>
-            <a:r>
-              <a:rPr lang="en-US" dirty="0"/>
-              <a:t>Your name</a:t>
-            </a:r>
-          </a:p>
-          <a:p>
-            <a:pPr lvl="1"/>
-            <a:r>
-              <a:rPr lang="en-US" dirty="0"/>
-              <a:t>What you are studying?</a:t>
-            </a:r>
-          </a:p>
-          <a:p>
-            <a:pPr lvl="1"/>
-            <a:r>
-              <a:rPr lang="en-US" dirty="0"/>
-              <a:t>Why you are taking this course?</a:t>
-            </a:r>
-          </a:p>
-          <a:p>
-            <a:pPr lvl="1"/>
-            <a:r>
-              <a:rPr lang="en-US" dirty="0"/>
-              <a:t>What you are expecting from this course?</a:t>
-            </a:r>
-          </a:p>
-          <a:p>
-            <a:pPr lvl="1"/>
-            <a:r>
-              <a:rPr lang="en-US" dirty="0"/>
-              <a:t>Do you know any python / formal grammars / Bayesian probability?</a:t>
-            </a:r>
-          </a:p>
-          <a:p>
-            <a:pPr lvl="1"/>
-            <a:endParaRPr lang="en-US" dirty="0"/>
-          </a:p>
-          <a:p>
-            <a:endParaRPr lang="en-DE" dirty="0"/>
-          </a:p>
-        </p:txBody>
-      </p:sp>
-    </p:spTree>
-    <p:extLst>
-      <p:ext uri="{BB962C8B-B14F-4D97-AF65-F5344CB8AC3E}">
-        <p14:creationId xmlns:p14="http://schemas.microsoft.com/office/powerpoint/2010/main" val="1567595682"/>
-      </p:ext>
-    </p:extLst>
-  </p:cSld>
-  <p:clrMapOvr>
-    <a:masterClrMapping/>
-  </p:clrMapOvr>
-</p:sld>
-</file>
-
-<file path=ppt/slides/slide20.xml><?xml version="1.0" encoding="utf-8"?>
+<file path=ppt/slides/slide21.xml><?xml version="1.0" encoding="utf-8"?>
 <p:sld xmlns:a="http://schemas.openxmlformats.org/drawingml/2006/main" xmlns:r="http://schemas.openxmlformats.org/officeDocument/2006/relationships" xmlns:p="http://schemas.openxmlformats.org/presentationml/2006/main">
   <p:cSld>
     <p:spTree>
@@ -13003,7 +13081,7 @@
 </p:sld>
 </file>
 
-<file path=ppt/slides/slide21.xml><?xml version="1.0" encoding="utf-8"?>
+<file path=ppt/slides/slide22.xml><?xml version="1.0" encoding="utf-8"?>
 <p:sld xmlns:a="http://schemas.openxmlformats.org/drawingml/2006/main" xmlns:r="http://schemas.openxmlformats.org/officeDocument/2006/relationships" xmlns:p="http://schemas.openxmlformats.org/presentationml/2006/main">
   <p:cSld>
     <p:spTree>
@@ -13927,7 +14005,7 @@
 </p:sld>
 </file>
 
-<file path=ppt/slides/slide22.xml><?xml version="1.0" encoding="utf-8"?>
+<file path=ppt/slides/slide23.xml><?xml version="1.0" encoding="utf-8"?>
 <p:sld xmlns:a="http://schemas.openxmlformats.org/drawingml/2006/main" xmlns:r="http://schemas.openxmlformats.org/officeDocument/2006/relationships" xmlns:p="http://schemas.openxmlformats.org/presentationml/2006/main">
   <p:cSld>
     <p:spTree>
@@ -14473,7 +14551,7 @@
 </p:sld>
 </file>
 
-<file path=ppt/slides/slide23.xml><?xml version="1.0" encoding="utf-8"?>
+<file path=ppt/slides/slide24.xml><?xml version="1.0" encoding="utf-8"?>
 <p:sld xmlns:a="http://schemas.openxmlformats.org/drawingml/2006/main" xmlns:r="http://schemas.openxmlformats.org/officeDocument/2006/relationships" xmlns:p="http://schemas.openxmlformats.org/presentationml/2006/main">
   <p:cSld>
     <p:spTree>
@@ -15254,7 +15332,7 @@
 </p:sld>
 </file>
 
-<file path=ppt/slides/slide24.xml><?xml version="1.0" encoding="utf-8"?>
+<file path=ppt/slides/slide25.xml><?xml version="1.0" encoding="utf-8"?>
 <p:sld xmlns:a="http://schemas.openxmlformats.org/drawingml/2006/main" xmlns:r="http://schemas.openxmlformats.org/officeDocument/2006/relationships" xmlns:p="http://schemas.openxmlformats.org/presentationml/2006/main">
   <p:cSld>
     <p:spTree>
@@ -16035,7 +16113,7 @@
 </p:sld>
 </file>
 
-<file path=ppt/slides/slide25.xml><?xml version="1.0" encoding="utf-8"?>
+<file path=ppt/slides/slide26.xml><?xml version="1.0" encoding="utf-8"?>
 <p:sld xmlns:a="http://schemas.openxmlformats.org/drawingml/2006/main" xmlns:r="http://schemas.openxmlformats.org/officeDocument/2006/relationships" xmlns:p="http://schemas.openxmlformats.org/presentationml/2006/main">
   <p:cSld>
     <p:spTree>
@@ -16172,7 +16250,7 @@
           <a:p>
             <a:r>
               <a:rPr lang="en-US" dirty="0"/>
-              <a:t>However, we can guess some words in our </a:t>
+              <a:t>We can also guess some words in our </a:t>
             </a:r>
             <a:r>
               <a:rPr lang="en-US" dirty="0" err="1"/>
@@ -16586,7 +16664,7 @@
 </p:sld>
 </file>
 
-<file path=ppt/slides/slide26.xml><?xml version="1.0" encoding="utf-8"?>
+<file path=ppt/slides/slide27.xml><?xml version="1.0" encoding="utf-8"?>
 <p:sld xmlns:a="http://schemas.openxmlformats.org/drawingml/2006/main" xmlns:r="http://schemas.openxmlformats.org/officeDocument/2006/relationships" xmlns:p="http://schemas.openxmlformats.org/presentationml/2006/main">
   <p:cSld>
     <p:spTree>
@@ -17223,7 +17301,7 @@
 </p:sld>
 </file>
 
-<file path=ppt/slides/slide27.xml><?xml version="1.0" encoding="utf-8"?>
+<file path=ppt/slides/slide28.xml><?xml version="1.0" encoding="utf-8"?>
 <p:sld xmlns:a="http://schemas.openxmlformats.org/drawingml/2006/main" xmlns:r="http://schemas.openxmlformats.org/officeDocument/2006/relationships" xmlns:p="http://schemas.openxmlformats.org/presentationml/2006/main">
   <p:cSld>
     <p:spTree>
@@ -17689,7 +17767,7 @@
 </p:sld>
 </file>
 
-<file path=ppt/slides/slide28.xml><?xml version="1.0" encoding="utf-8"?>
+<file path=ppt/slides/slide29.xml><?xml version="1.0" encoding="utf-8"?>
 <p:sld xmlns:a="http://schemas.openxmlformats.org/drawingml/2006/main" xmlns:r="http://schemas.openxmlformats.org/officeDocument/2006/relationships" xmlns:p="http://schemas.openxmlformats.org/presentationml/2006/main">
   <p:cSld>
     <p:spTree>
@@ -18185,503 +18263,6 @@
                                           <p:spTgt spid="3">
                                             <p:txEl>
                                               <p:pRg st="6" end="6"/>
-                                            </p:txEl>
-                                          </p:spTgt>
-                                        </p:tgtEl>
-                                        <p:attrNameLst>
-                                          <p:attrName>style.visibility</p:attrName>
-                                        </p:attrNameLst>
-                                      </p:cBhvr>
-                                      <p:to>
-                                        <p:strVal val="visible"/>
-                                      </p:to>
-                                    </p:set>
-                                  </p:childTnLst>
-                                </p:cTn>
-                              </p:par>
-                            </p:childTnLst>
-                          </p:cTn>
-                        </p:par>
-                      </p:childTnLst>
-                    </p:cTn>
-                  </p:par>
-                </p:childTnLst>
-              </p:cTn>
-              <p:prevCondLst>
-                <p:cond evt="onPrev" delay="0">
-                  <p:tgtEl>
-                    <p:sldTgt/>
-                  </p:tgtEl>
-                </p:cond>
-              </p:prevCondLst>
-              <p:nextCondLst>
-                <p:cond evt="onNext" delay="0">
-                  <p:tgtEl>
-                    <p:sldTgt/>
-                  </p:tgtEl>
-                </p:cond>
-              </p:nextCondLst>
-            </p:seq>
-          </p:childTnLst>
-        </p:cTn>
-      </p:par>
-    </p:tnLst>
-  </p:timing>
-</p:sld>
-</file>
-
-<file path=ppt/slides/slide29.xml><?xml version="1.0" encoding="utf-8"?>
-<p:sld xmlns:a="http://schemas.openxmlformats.org/drawingml/2006/main" xmlns:r="http://schemas.openxmlformats.org/officeDocument/2006/relationships" xmlns:p="http://schemas.openxmlformats.org/presentationml/2006/main">
-  <p:cSld>
-    <p:spTree>
-      <p:nvGrpSpPr>
-        <p:cNvPr id="1" name=""/>
-        <p:cNvGrpSpPr/>
-        <p:nvPr/>
-      </p:nvGrpSpPr>
-      <p:grpSpPr>
-        <a:xfrm>
-          <a:off x="0" y="0"/>
-          <a:ext cx="0" cy="0"/>
-          <a:chOff x="0" y="0"/>
-          <a:chExt cx="0" cy="0"/>
-        </a:xfrm>
-      </p:grpSpPr>
-      <p:sp>
-        <p:nvSpPr>
-          <p:cNvPr id="2" name="Title 1">
-            <a:extLst>
-              <a:ext uri="{FF2B5EF4-FFF2-40B4-BE49-F238E27FC236}">
-                <a16:creationId xmlns:a16="http://schemas.microsoft.com/office/drawing/2014/main" id="{69794235-C007-4551-A68D-B50584A3E5B2}"/>
-              </a:ext>
-            </a:extLst>
-          </p:cNvPr>
-          <p:cNvSpPr>
-            <a:spLocks noGrp="1"/>
-          </p:cNvSpPr>
-          <p:nvPr>
-            <p:ph type="title"/>
-          </p:nvPr>
-        </p:nvSpPr>
-        <p:spPr/>
-        <p:txBody>
-          <a:bodyPr/>
-          <a:lstStyle/>
-          <a:p>
-            <a:r>
-              <a:rPr lang="en-US" dirty="0"/>
-              <a:t>“But what about neural networks!”</a:t>
-            </a:r>
-            <a:endParaRPr lang="en-DE" dirty="0"/>
-          </a:p>
-        </p:txBody>
-      </p:sp>
-      <p:sp>
-        <p:nvSpPr>
-          <p:cNvPr id="3" name="Content Placeholder 2">
-            <a:extLst>
-              <a:ext uri="{FF2B5EF4-FFF2-40B4-BE49-F238E27FC236}">
-                <a16:creationId xmlns:a16="http://schemas.microsoft.com/office/drawing/2014/main" id="{9D9F2CDA-2A5B-4158-AEE0-8DA783B3FBB9}"/>
-              </a:ext>
-            </a:extLst>
-          </p:cNvPr>
-          <p:cNvSpPr>
-            <a:spLocks noGrp="1"/>
-          </p:cNvSpPr>
-          <p:nvPr>
-            <p:ph idx="1"/>
-          </p:nvPr>
-        </p:nvSpPr>
-        <p:spPr/>
-        <p:txBody>
-          <a:bodyPr>
-            <a:normAutofit fontScale="92500" lnSpcReduction="20000"/>
-          </a:bodyPr>
-          <a:lstStyle/>
-          <a:p>
-            <a:r>
-              <a:rPr lang="en-US" dirty="0"/>
-              <a:t>It wouldn’t be 2022 if I didn’t mention neural networks</a:t>
-            </a:r>
-          </a:p>
-          <a:p>
-            <a:r>
-              <a:rPr lang="en-US" dirty="0"/>
-              <a:t>Jerry Fodor talked about this in his typically caustic style:</a:t>
-            </a:r>
-          </a:p>
-          <a:p>
-            <a:endParaRPr lang="en-US" dirty="0"/>
-          </a:p>
-          <a:p>
-            <a:endParaRPr lang="en-US" dirty="0"/>
-          </a:p>
-          <a:p>
-            <a:endParaRPr lang="en-US" dirty="0"/>
-          </a:p>
-          <a:p>
-            <a:endParaRPr lang="en-US" dirty="0"/>
-          </a:p>
-          <a:p>
-            <a:endParaRPr lang="en-US" dirty="0"/>
-          </a:p>
-          <a:p>
-            <a:endParaRPr lang="en-US" dirty="0"/>
-          </a:p>
-          <a:p>
-            <a:r>
-              <a:rPr lang="en-US" dirty="0"/>
-              <a:t>It’s not at all clear that this is a fair criticism!</a:t>
-            </a:r>
-          </a:p>
-          <a:p>
-            <a:r>
-              <a:rPr lang="en-US" dirty="0"/>
-              <a:t>And we will see towards the end of the course that some successful applications of the </a:t>
-            </a:r>
-            <a:r>
-              <a:rPr lang="en-US" dirty="0" err="1"/>
-              <a:t>LoT</a:t>
-            </a:r>
-            <a:r>
-              <a:rPr lang="en-US" dirty="0"/>
-              <a:t> idea employ a combination of logical and connectionist tools.</a:t>
-            </a:r>
-          </a:p>
-          <a:p>
-            <a:r>
-              <a:rPr lang="en-US" dirty="0"/>
-              <a:t>More on connectionism vs </a:t>
-            </a:r>
-            <a:r>
-              <a:rPr lang="en-US" dirty="0" err="1"/>
-              <a:t>LoT</a:t>
-            </a:r>
-            <a:r>
-              <a:rPr lang="en-US" dirty="0"/>
-              <a:t> in two weeks!</a:t>
-            </a:r>
-            <a:endParaRPr lang="en-DE" dirty="0"/>
-          </a:p>
-        </p:txBody>
-      </p:sp>
-      <p:pic>
-        <p:nvPicPr>
-          <p:cNvPr id="5" name="Picture 4">
-            <a:extLst>
-              <a:ext uri="{FF2B5EF4-FFF2-40B4-BE49-F238E27FC236}">
-                <a16:creationId xmlns:a16="http://schemas.microsoft.com/office/drawing/2014/main" id="{BA897D63-7B9A-4253-A9B2-792471041A39}"/>
-              </a:ext>
-            </a:extLst>
-          </p:cNvPr>
-          <p:cNvPicPr>
-            <a:picLocks noChangeAspect="1"/>
-          </p:cNvPicPr>
-          <p:nvPr/>
-        </p:nvPicPr>
-        <p:blipFill rotWithShape="1">
-          <a:blip r:embed="rId2"/>
-          <a:srcRect t="2756" b="1"/>
-          <a:stretch/>
-        </p:blipFill>
-        <p:spPr>
-          <a:xfrm>
-            <a:off x="2165387" y="2699656"/>
-            <a:ext cx="4844497" cy="1758701"/>
-          </a:xfrm>
-          <a:prstGeom prst="rect">
-            <a:avLst/>
-          </a:prstGeom>
-        </p:spPr>
-      </p:pic>
-    </p:spTree>
-    <p:extLst>
-      <p:ext uri="{BB962C8B-B14F-4D97-AF65-F5344CB8AC3E}">
-        <p14:creationId xmlns:p14="http://schemas.microsoft.com/office/powerpoint/2010/main" val="3390110198"/>
-      </p:ext>
-    </p:extLst>
-  </p:cSld>
-  <p:clrMapOvr>
-    <a:masterClrMapping/>
-  </p:clrMapOvr>
-  <p:timing>
-    <p:tnLst>
-      <p:par>
-        <p:cTn id="1" dur="indefinite" restart="never" nodeType="tmRoot">
-          <p:childTnLst>
-            <p:seq concurrent="1" nextAc="seek">
-              <p:cTn id="2" dur="indefinite" nodeType="mainSeq">
-                <p:childTnLst>
-                  <p:par>
-                    <p:cTn id="3" fill="hold">
-                      <p:stCondLst>
-                        <p:cond delay="indefinite"/>
-                      </p:stCondLst>
-                      <p:childTnLst>
-                        <p:par>
-                          <p:cTn id="4" fill="hold">
-                            <p:stCondLst>
-                              <p:cond delay="0"/>
-                            </p:stCondLst>
-                            <p:childTnLst>
-                              <p:par>
-                                <p:cTn id="5" presetID="1" presetClass="entr" presetSubtype="0" fill="hold" nodeType="clickEffect">
-                                  <p:stCondLst>
-                                    <p:cond delay="0"/>
-                                  </p:stCondLst>
-                                  <p:childTnLst>
-                                    <p:set>
-                                      <p:cBhvr>
-                                        <p:cTn id="6" dur="1" fill="hold">
-                                          <p:stCondLst>
-                                            <p:cond delay="0"/>
-                                          </p:stCondLst>
-                                        </p:cTn>
-                                        <p:tgtEl>
-                                          <p:spTgt spid="3">
-                                            <p:txEl>
-                                              <p:pRg st="0" end="0"/>
-                                            </p:txEl>
-                                          </p:spTgt>
-                                        </p:tgtEl>
-                                        <p:attrNameLst>
-                                          <p:attrName>style.visibility</p:attrName>
-                                        </p:attrNameLst>
-                                      </p:cBhvr>
-                                      <p:to>
-                                        <p:strVal val="visible"/>
-                                      </p:to>
-                                    </p:set>
-                                  </p:childTnLst>
-                                </p:cTn>
-                              </p:par>
-                            </p:childTnLst>
-                          </p:cTn>
-                        </p:par>
-                      </p:childTnLst>
-                    </p:cTn>
-                  </p:par>
-                  <p:par>
-                    <p:cTn id="7" fill="hold">
-                      <p:stCondLst>
-                        <p:cond delay="indefinite"/>
-                      </p:stCondLst>
-                      <p:childTnLst>
-                        <p:par>
-                          <p:cTn id="8" fill="hold">
-                            <p:stCondLst>
-                              <p:cond delay="0"/>
-                            </p:stCondLst>
-                            <p:childTnLst>
-                              <p:par>
-                                <p:cTn id="9" presetID="1" presetClass="entr" presetSubtype="0" fill="hold" nodeType="clickEffect">
-                                  <p:stCondLst>
-                                    <p:cond delay="0"/>
-                                  </p:stCondLst>
-                                  <p:childTnLst>
-                                    <p:set>
-                                      <p:cBhvr>
-                                        <p:cTn id="10" dur="1" fill="hold">
-                                          <p:stCondLst>
-                                            <p:cond delay="0"/>
-                                          </p:stCondLst>
-                                        </p:cTn>
-                                        <p:tgtEl>
-                                          <p:spTgt spid="3">
-                                            <p:txEl>
-                                              <p:pRg st="1" end="1"/>
-                                            </p:txEl>
-                                          </p:spTgt>
-                                        </p:tgtEl>
-                                        <p:attrNameLst>
-                                          <p:attrName>style.visibility</p:attrName>
-                                        </p:attrNameLst>
-                                      </p:cBhvr>
-                                      <p:to>
-                                        <p:strVal val="visible"/>
-                                      </p:to>
-                                    </p:set>
-                                  </p:childTnLst>
-                                </p:cTn>
-                              </p:par>
-                            </p:childTnLst>
-                          </p:cTn>
-                        </p:par>
-                      </p:childTnLst>
-                    </p:cTn>
-                  </p:par>
-                  <p:par>
-                    <p:cTn id="11" fill="hold">
-                      <p:stCondLst>
-                        <p:cond delay="indefinite"/>
-                      </p:stCondLst>
-                      <p:childTnLst>
-                        <p:par>
-                          <p:cTn id="12" fill="hold">
-                            <p:stCondLst>
-                              <p:cond delay="0"/>
-                            </p:stCondLst>
-                            <p:childTnLst>
-                              <p:par>
-                                <p:cTn id="13" presetID="1" presetClass="entr" presetSubtype="0" fill="hold" nodeType="clickEffect">
-                                  <p:stCondLst>
-                                    <p:cond delay="0"/>
-                                  </p:stCondLst>
-                                  <p:childTnLst>
-                                    <p:set>
-                                      <p:cBhvr>
-                                        <p:cTn id="14" dur="1" fill="hold">
-                                          <p:stCondLst>
-                                            <p:cond delay="0"/>
-                                          </p:stCondLst>
-                                        </p:cTn>
-                                        <p:tgtEl>
-                                          <p:spTgt spid="5"/>
-                                        </p:tgtEl>
-                                        <p:attrNameLst>
-                                          <p:attrName>style.visibility</p:attrName>
-                                        </p:attrNameLst>
-                                      </p:cBhvr>
-                                      <p:to>
-                                        <p:strVal val="visible"/>
-                                      </p:to>
-                                    </p:set>
-                                  </p:childTnLst>
-                                </p:cTn>
-                              </p:par>
-                            </p:childTnLst>
-                          </p:cTn>
-                        </p:par>
-                      </p:childTnLst>
-                    </p:cTn>
-                  </p:par>
-                  <p:par>
-                    <p:cTn id="15" fill="hold">
-                      <p:stCondLst>
-                        <p:cond delay="indefinite"/>
-                      </p:stCondLst>
-                      <p:childTnLst>
-                        <p:par>
-                          <p:cTn id="16" fill="hold">
-                            <p:stCondLst>
-                              <p:cond delay="0"/>
-                            </p:stCondLst>
-                            <p:childTnLst>
-                              <p:par>
-                                <p:cTn id="17" presetID="1" presetClass="entr" presetSubtype="0" fill="hold" nodeType="clickEffect">
-                                  <p:stCondLst>
-                                    <p:cond delay="0"/>
-                                  </p:stCondLst>
-                                  <p:childTnLst>
-                                    <p:set>
-                                      <p:cBhvr>
-                                        <p:cTn id="18" dur="1" fill="hold">
-                                          <p:stCondLst>
-                                            <p:cond delay="0"/>
-                                          </p:stCondLst>
-                                        </p:cTn>
-                                        <p:tgtEl>
-                                          <p:spTgt spid="3">
-                                            <p:txEl>
-                                              <p:pRg st="8" end="8"/>
-                                            </p:txEl>
-                                          </p:spTgt>
-                                        </p:tgtEl>
-                                        <p:attrNameLst>
-                                          <p:attrName>style.visibility</p:attrName>
-                                        </p:attrNameLst>
-                                      </p:cBhvr>
-                                      <p:to>
-                                        <p:strVal val="visible"/>
-                                      </p:to>
-                                    </p:set>
-                                  </p:childTnLst>
-                                </p:cTn>
-                              </p:par>
-                            </p:childTnLst>
-                          </p:cTn>
-                        </p:par>
-                      </p:childTnLst>
-                    </p:cTn>
-                  </p:par>
-                  <p:par>
-                    <p:cTn id="19" fill="hold">
-                      <p:stCondLst>
-                        <p:cond delay="indefinite"/>
-                      </p:stCondLst>
-                      <p:childTnLst>
-                        <p:par>
-                          <p:cTn id="20" fill="hold">
-                            <p:stCondLst>
-                              <p:cond delay="0"/>
-                            </p:stCondLst>
-                            <p:childTnLst>
-                              <p:par>
-                                <p:cTn id="21" presetID="1" presetClass="entr" presetSubtype="0" fill="hold" nodeType="clickEffect">
-                                  <p:stCondLst>
-                                    <p:cond delay="0"/>
-                                  </p:stCondLst>
-                                  <p:childTnLst>
-                                    <p:set>
-                                      <p:cBhvr>
-                                        <p:cTn id="22" dur="1" fill="hold">
-                                          <p:stCondLst>
-                                            <p:cond delay="0"/>
-                                          </p:stCondLst>
-                                        </p:cTn>
-                                        <p:tgtEl>
-                                          <p:spTgt spid="3">
-                                            <p:txEl>
-                                              <p:pRg st="9" end="9"/>
-                                            </p:txEl>
-                                          </p:spTgt>
-                                        </p:tgtEl>
-                                        <p:attrNameLst>
-                                          <p:attrName>style.visibility</p:attrName>
-                                        </p:attrNameLst>
-                                      </p:cBhvr>
-                                      <p:to>
-                                        <p:strVal val="visible"/>
-                                      </p:to>
-                                    </p:set>
-                                  </p:childTnLst>
-                                </p:cTn>
-                              </p:par>
-                            </p:childTnLst>
-                          </p:cTn>
-                        </p:par>
-                      </p:childTnLst>
-                    </p:cTn>
-                  </p:par>
-                  <p:par>
-                    <p:cTn id="23" fill="hold">
-                      <p:stCondLst>
-                        <p:cond delay="indefinite"/>
-                      </p:stCondLst>
-                      <p:childTnLst>
-                        <p:par>
-                          <p:cTn id="24" fill="hold">
-                            <p:stCondLst>
-                              <p:cond delay="0"/>
-                            </p:stCondLst>
-                            <p:childTnLst>
-                              <p:par>
-                                <p:cTn id="25" presetID="1" presetClass="entr" presetSubtype="0" fill="hold" nodeType="clickEffect">
-                                  <p:stCondLst>
-                                    <p:cond delay="0"/>
-                                  </p:stCondLst>
-                                  <p:childTnLst>
-                                    <p:set>
-                                      <p:cBhvr>
-                                        <p:cTn id="26" dur="1" fill="hold">
-                                          <p:stCondLst>
-                                            <p:cond delay="0"/>
-                                          </p:stCondLst>
-                                        </p:cTn>
-                                        <p:tgtEl>
-                                          <p:spTgt spid="3">
-                                            <p:txEl>
-                                              <p:pRg st="10" end="10"/>
                                             </p:txEl>
                                           </p:spTgt>
                                         </p:tgtEl>
@@ -19547,6 +19128,503 @@
           <p:cNvPr id="2" name="Title 1">
             <a:extLst>
               <a:ext uri="{FF2B5EF4-FFF2-40B4-BE49-F238E27FC236}">
+                <a16:creationId xmlns:a16="http://schemas.microsoft.com/office/drawing/2014/main" id="{69794235-C007-4551-A68D-B50584A3E5B2}"/>
+              </a:ext>
+            </a:extLst>
+          </p:cNvPr>
+          <p:cNvSpPr>
+            <a:spLocks noGrp="1"/>
+          </p:cNvSpPr>
+          <p:nvPr>
+            <p:ph type="title"/>
+          </p:nvPr>
+        </p:nvSpPr>
+        <p:spPr/>
+        <p:txBody>
+          <a:bodyPr/>
+          <a:lstStyle/>
+          <a:p>
+            <a:r>
+              <a:rPr lang="en-US" dirty="0"/>
+              <a:t>“But what about neural networks!”</a:t>
+            </a:r>
+            <a:endParaRPr lang="en-DE" dirty="0"/>
+          </a:p>
+        </p:txBody>
+      </p:sp>
+      <p:sp>
+        <p:nvSpPr>
+          <p:cNvPr id="3" name="Content Placeholder 2">
+            <a:extLst>
+              <a:ext uri="{FF2B5EF4-FFF2-40B4-BE49-F238E27FC236}">
+                <a16:creationId xmlns:a16="http://schemas.microsoft.com/office/drawing/2014/main" id="{9D9F2CDA-2A5B-4158-AEE0-8DA783B3FBB9}"/>
+              </a:ext>
+            </a:extLst>
+          </p:cNvPr>
+          <p:cNvSpPr>
+            <a:spLocks noGrp="1"/>
+          </p:cNvSpPr>
+          <p:nvPr>
+            <p:ph idx="1"/>
+          </p:nvPr>
+        </p:nvSpPr>
+        <p:spPr/>
+        <p:txBody>
+          <a:bodyPr>
+            <a:normAutofit fontScale="92500" lnSpcReduction="20000"/>
+          </a:bodyPr>
+          <a:lstStyle/>
+          <a:p>
+            <a:r>
+              <a:rPr lang="en-US" dirty="0"/>
+              <a:t>It wouldn’t be 2022 if I didn’t mention neural networks</a:t>
+            </a:r>
+          </a:p>
+          <a:p>
+            <a:r>
+              <a:rPr lang="en-US" dirty="0"/>
+              <a:t>Jerry Fodor talked about this in his typically caustic style:</a:t>
+            </a:r>
+          </a:p>
+          <a:p>
+            <a:endParaRPr lang="en-US" dirty="0"/>
+          </a:p>
+          <a:p>
+            <a:endParaRPr lang="en-US" dirty="0"/>
+          </a:p>
+          <a:p>
+            <a:endParaRPr lang="en-US" dirty="0"/>
+          </a:p>
+          <a:p>
+            <a:endParaRPr lang="en-US" dirty="0"/>
+          </a:p>
+          <a:p>
+            <a:endParaRPr lang="en-US" dirty="0"/>
+          </a:p>
+          <a:p>
+            <a:endParaRPr lang="en-US" dirty="0"/>
+          </a:p>
+          <a:p>
+            <a:r>
+              <a:rPr lang="en-US" dirty="0"/>
+              <a:t>It’s not at all clear that this is a fair criticism!</a:t>
+            </a:r>
+          </a:p>
+          <a:p>
+            <a:r>
+              <a:rPr lang="en-US" dirty="0"/>
+              <a:t>And we will see towards the end of the course that some successful applications of the </a:t>
+            </a:r>
+            <a:r>
+              <a:rPr lang="en-US" dirty="0" err="1"/>
+              <a:t>LoT</a:t>
+            </a:r>
+            <a:r>
+              <a:rPr lang="en-US" dirty="0"/>
+              <a:t> idea employ a combination of logical and connectionist tools.</a:t>
+            </a:r>
+          </a:p>
+          <a:p>
+            <a:r>
+              <a:rPr lang="en-US" dirty="0"/>
+              <a:t>More on connectionism vs </a:t>
+            </a:r>
+            <a:r>
+              <a:rPr lang="en-US" dirty="0" err="1"/>
+              <a:t>LoT</a:t>
+            </a:r>
+            <a:r>
+              <a:rPr lang="en-US" dirty="0"/>
+              <a:t> in two weeks!</a:t>
+            </a:r>
+            <a:endParaRPr lang="en-DE" dirty="0"/>
+          </a:p>
+        </p:txBody>
+      </p:sp>
+      <p:pic>
+        <p:nvPicPr>
+          <p:cNvPr id="5" name="Picture 4">
+            <a:extLst>
+              <a:ext uri="{FF2B5EF4-FFF2-40B4-BE49-F238E27FC236}">
+                <a16:creationId xmlns:a16="http://schemas.microsoft.com/office/drawing/2014/main" id="{BA897D63-7B9A-4253-A9B2-792471041A39}"/>
+              </a:ext>
+            </a:extLst>
+          </p:cNvPr>
+          <p:cNvPicPr>
+            <a:picLocks noChangeAspect="1"/>
+          </p:cNvPicPr>
+          <p:nvPr/>
+        </p:nvPicPr>
+        <p:blipFill rotWithShape="1">
+          <a:blip r:embed="rId2"/>
+          <a:srcRect t="2756" b="1"/>
+          <a:stretch/>
+        </p:blipFill>
+        <p:spPr>
+          <a:xfrm>
+            <a:off x="2165387" y="2699656"/>
+            <a:ext cx="4844497" cy="1758701"/>
+          </a:xfrm>
+          <a:prstGeom prst="rect">
+            <a:avLst/>
+          </a:prstGeom>
+        </p:spPr>
+      </p:pic>
+    </p:spTree>
+    <p:extLst>
+      <p:ext uri="{BB962C8B-B14F-4D97-AF65-F5344CB8AC3E}">
+        <p14:creationId xmlns:p14="http://schemas.microsoft.com/office/powerpoint/2010/main" val="3390110198"/>
+      </p:ext>
+    </p:extLst>
+  </p:cSld>
+  <p:clrMapOvr>
+    <a:masterClrMapping/>
+  </p:clrMapOvr>
+  <p:timing>
+    <p:tnLst>
+      <p:par>
+        <p:cTn id="1" dur="indefinite" restart="never" nodeType="tmRoot">
+          <p:childTnLst>
+            <p:seq concurrent="1" nextAc="seek">
+              <p:cTn id="2" dur="indefinite" nodeType="mainSeq">
+                <p:childTnLst>
+                  <p:par>
+                    <p:cTn id="3" fill="hold">
+                      <p:stCondLst>
+                        <p:cond delay="indefinite"/>
+                      </p:stCondLst>
+                      <p:childTnLst>
+                        <p:par>
+                          <p:cTn id="4" fill="hold">
+                            <p:stCondLst>
+                              <p:cond delay="0"/>
+                            </p:stCondLst>
+                            <p:childTnLst>
+                              <p:par>
+                                <p:cTn id="5" presetID="1" presetClass="entr" presetSubtype="0" fill="hold" nodeType="clickEffect">
+                                  <p:stCondLst>
+                                    <p:cond delay="0"/>
+                                  </p:stCondLst>
+                                  <p:childTnLst>
+                                    <p:set>
+                                      <p:cBhvr>
+                                        <p:cTn id="6" dur="1" fill="hold">
+                                          <p:stCondLst>
+                                            <p:cond delay="0"/>
+                                          </p:stCondLst>
+                                        </p:cTn>
+                                        <p:tgtEl>
+                                          <p:spTgt spid="3">
+                                            <p:txEl>
+                                              <p:pRg st="0" end="0"/>
+                                            </p:txEl>
+                                          </p:spTgt>
+                                        </p:tgtEl>
+                                        <p:attrNameLst>
+                                          <p:attrName>style.visibility</p:attrName>
+                                        </p:attrNameLst>
+                                      </p:cBhvr>
+                                      <p:to>
+                                        <p:strVal val="visible"/>
+                                      </p:to>
+                                    </p:set>
+                                  </p:childTnLst>
+                                </p:cTn>
+                              </p:par>
+                            </p:childTnLst>
+                          </p:cTn>
+                        </p:par>
+                      </p:childTnLst>
+                    </p:cTn>
+                  </p:par>
+                  <p:par>
+                    <p:cTn id="7" fill="hold">
+                      <p:stCondLst>
+                        <p:cond delay="indefinite"/>
+                      </p:stCondLst>
+                      <p:childTnLst>
+                        <p:par>
+                          <p:cTn id="8" fill="hold">
+                            <p:stCondLst>
+                              <p:cond delay="0"/>
+                            </p:stCondLst>
+                            <p:childTnLst>
+                              <p:par>
+                                <p:cTn id="9" presetID="1" presetClass="entr" presetSubtype="0" fill="hold" nodeType="clickEffect">
+                                  <p:stCondLst>
+                                    <p:cond delay="0"/>
+                                  </p:stCondLst>
+                                  <p:childTnLst>
+                                    <p:set>
+                                      <p:cBhvr>
+                                        <p:cTn id="10" dur="1" fill="hold">
+                                          <p:stCondLst>
+                                            <p:cond delay="0"/>
+                                          </p:stCondLst>
+                                        </p:cTn>
+                                        <p:tgtEl>
+                                          <p:spTgt spid="3">
+                                            <p:txEl>
+                                              <p:pRg st="1" end="1"/>
+                                            </p:txEl>
+                                          </p:spTgt>
+                                        </p:tgtEl>
+                                        <p:attrNameLst>
+                                          <p:attrName>style.visibility</p:attrName>
+                                        </p:attrNameLst>
+                                      </p:cBhvr>
+                                      <p:to>
+                                        <p:strVal val="visible"/>
+                                      </p:to>
+                                    </p:set>
+                                  </p:childTnLst>
+                                </p:cTn>
+                              </p:par>
+                            </p:childTnLst>
+                          </p:cTn>
+                        </p:par>
+                      </p:childTnLst>
+                    </p:cTn>
+                  </p:par>
+                  <p:par>
+                    <p:cTn id="11" fill="hold">
+                      <p:stCondLst>
+                        <p:cond delay="indefinite"/>
+                      </p:stCondLst>
+                      <p:childTnLst>
+                        <p:par>
+                          <p:cTn id="12" fill="hold">
+                            <p:stCondLst>
+                              <p:cond delay="0"/>
+                            </p:stCondLst>
+                            <p:childTnLst>
+                              <p:par>
+                                <p:cTn id="13" presetID="1" presetClass="entr" presetSubtype="0" fill="hold" nodeType="clickEffect">
+                                  <p:stCondLst>
+                                    <p:cond delay="0"/>
+                                  </p:stCondLst>
+                                  <p:childTnLst>
+                                    <p:set>
+                                      <p:cBhvr>
+                                        <p:cTn id="14" dur="1" fill="hold">
+                                          <p:stCondLst>
+                                            <p:cond delay="0"/>
+                                          </p:stCondLst>
+                                        </p:cTn>
+                                        <p:tgtEl>
+                                          <p:spTgt spid="5"/>
+                                        </p:tgtEl>
+                                        <p:attrNameLst>
+                                          <p:attrName>style.visibility</p:attrName>
+                                        </p:attrNameLst>
+                                      </p:cBhvr>
+                                      <p:to>
+                                        <p:strVal val="visible"/>
+                                      </p:to>
+                                    </p:set>
+                                  </p:childTnLst>
+                                </p:cTn>
+                              </p:par>
+                            </p:childTnLst>
+                          </p:cTn>
+                        </p:par>
+                      </p:childTnLst>
+                    </p:cTn>
+                  </p:par>
+                  <p:par>
+                    <p:cTn id="15" fill="hold">
+                      <p:stCondLst>
+                        <p:cond delay="indefinite"/>
+                      </p:stCondLst>
+                      <p:childTnLst>
+                        <p:par>
+                          <p:cTn id="16" fill="hold">
+                            <p:stCondLst>
+                              <p:cond delay="0"/>
+                            </p:stCondLst>
+                            <p:childTnLst>
+                              <p:par>
+                                <p:cTn id="17" presetID="1" presetClass="entr" presetSubtype="0" fill="hold" nodeType="clickEffect">
+                                  <p:stCondLst>
+                                    <p:cond delay="0"/>
+                                  </p:stCondLst>
+                                  <p:childTnLst>
+                                    <p:set>
+                                      <p:cBhvr>
+                                        <p:cTn id="18" dur="1" fill="hold">
+                                          <p:stCondLst>
+                                            <p:cond delay="0"/>
+                                          </p:stCondLst>
+                                        </p:cTn>
+                                        <p:tgtEl>
+                                          <p:spTgt spid="3">
+                                            <p:txEl>
+                                              <p:pRg st="8" end="8"/>
+                                            </p:txEl>
+                                          </p:spTgt>
+                                        </p:tgtEl>
+                                        <p:attrNameLst>
+                                          <p:attrName>style.visibility</p:attrName>
+                                        </p:attrNameLst>
+                                      </p:cBhvr>
+                                      <p:to>
+                                        <p:strVal val="visible"/>
+                                      </p:to>
+                                    </p:set>
+                                  </p:childTnLst>
+                                </p:cTn>
+                              </p:par>
+                            </p:childTnLst>
+                          </p:cTn>
+                        </p:par>
+                      </p:childTnLst>
+                    </p:cTn>
+                  </p:par>
+                  <p:par>
+                    <p:cTn id="19" fill="hold">
+                      <p:stCondLst>
+                        <p:cond delay="indefinite"/>
+                      </p:stCondLst>
+                      <p:childTnLst>
+                        <p:par>
+                          <p:cTn id="20" fill="hold">
+                            <p:stCondLst>
+                              <p:cond delay="0"/>
+                            </p:stCondLst>
+                            <p:childTnLst>
+                              <p:par>
+                                <p:cTn id="21" presetID="1" presetClass="entr" presetSubtype="0" fill="hold" nodeType="clickEffect">
+                                  <p:stCondLst>
+                                    <p:cond delay="0"/>
+                                  </p:stCondLst>
+                                  <p:childTnLst>
+                                    <p:set>
+                                      <p:cBhvr>
+                                        <p:cTn id="22" dur="1" fill="hold">
+                                          <p:stCondLst>
+                                            <p:cond delay="0"/>
+                                          </p:stCondLst>
+                                        </p:cTn>
+                                        <p:tgtEl>
+                                          <p:spTgt spid="3">
+                                            <p:txEl>
+                                              <p:pRg st="9" end="9"/>
+                                            </p:txEl>
+                                          </p:spTgt>
+                                        </p:tgtEl>
+                                        <p:attrNameLst>
+                                          <p:attrName>style.visibility</p:attrName>
+                                        </p:attrNameLst>
+                                      </p:cBhvr>
+                                      <p:to>
+                                        <p:strVal val="visible"/>
+                                      </p:to>
+                                    </p:set>
+                                  </p:childTnLst>
+                                </p:cTn>
+                              </p:par>
+                            </p:childTnLst>
+                          </p:cTn>
+                        </p:par>
+                      </p:childTnLst>
+                    </p:cTn>
+                  </p:par>
+                  <p:par>
+                    <p:cTn id="23" fill="hold">
+                      <p:stCondLst>
+                        <p:cond delay="indefinite"/>
+                      </p:stCondLst>
+                      <p:childTnLst>
+                        <p:par>
+                          <p:cTn id="24" fill="hold">
+                            <p:stCondLst>
+                              <p:cond delay="0"/>
+                            </p:stCondLst>
+                            <p:childTnLst>
+                              <p:par>
+                                <p:cTn id="25" presetID="1" presetClass="entr" presetSubtype="0" fill="hold" nodeType="clickEffect">
+                                  <p:stCondLst>
+                                    <p:cond delay="0"/>
+                                  </p:stCondLst>
+                                  <p:childTnLst>
+                                    <p:set>
+                                      <p:cBhvr>
+                                        <p:cTn id="26" dur="1" fill="hold">
+                                          <p:stCondLst>
+                                            <p:cond delay="0"/>
+                                          </p:stCondLst>
+                                        </p:cTn>
+                                        <p:tgtEl>
+                                          <p:spTgt spid="3">
+                                            <p:txEl>
+                                              <p:pRg st="10" end="10"/>
+                                            </p:txEl>
+                                          </p:spTgt>
+                                        </p:tgtEl>
+                                        <p:attrNameLst>
+                                          <p:attrName>style.visibility</p:attrName>
+                                        </p:attrNameLst>
+                                      </p:cBhvr>
+                                      <p:to>
+                                        <p:strVal val="visible"/>
+                                      </p:to>
+                                    </p:set>
+                                  </p:childTnLst>
+                                </p:cTn>
+                              </p:par>
+                            </p:childTnLst>
+                          </p:cTn>
+                        </p:par>
+                      </p:childTnLst>
+                    </p:cTn>
+                  </p:par>
+                </p:childTnLst>
+              </p:cTn>
+              <p:prevCondLst>
+                <p:cond evt="onPrev" delay="0">
+                  <p:tgtEl>
+                    <p:sldTgt/>
+                  </p:tgtEl>
+                </p:cond>
+              </p:prevCondLst>
+              <p:nextCondLst>
+                <p:cond evt="onNext" delay="0">
+                  <p:tgtEl>
+                    <p:sldTgt/>
+                  </p:tgtEl>
+                </p:cond>
+              </p:nextCondLst>
+            </p:seq>
+          </p:childTnLst>
+        </p:cTn>
+      </p:par>
+    </p:tnLst>
+  </p:timing>
+</p:sld>
+</file>
+
+<file path=ppt/slides/slide31.xml><?xml version="1.0" encoding="utf-8"?>
+<p:sld xmlns:a="http://schemas.openxmlformats.org/drawingml/2006/main" xmlns:r="http://schemas.openxmlformats.org/officeDocument/2006/relationships" xmlns:p="http://schemas.openxmlformats.org/presentationml/2006/main">
+  <p:cSld>
+    <p:spTree>
+      <p:nvGrpSpPr>
+        <p:cNvPr id="1" name=""/>
+        <p:cNvGrpSpPr/>
+        <p:nvPr/>
+      </p:nvGrpSpPr>
+      <p:grpSpPr>
+        <a:xfrm>
+          <a:off x="0" y="0"/>
+          <a:ext cx="0" cy="0"/>
+          <a:chOff x="0" y="0"/>
+          <a:chExt cx="0" cy="0"/>
+        </a:xfrm>
+      </p:grpSpPr>
+      <p:sp>
+        <p:nvSpPr>
+          <p:cNvPr id="2" name="Title 1">
+            <a:extLst>
+              <a:ext uri="{FF2B5EF4-FFF2-40B4-BE49-F238E27FC236}">
                 <a16:creationId xmlns:a16="http://schemas.microsoft.com/office/drawing/2014/main" id="{DD50D9BD-A293-46AB-8FE1-3DC9E431D202}"/>
               </a:ext>
             </a:extLst>
@@ -19709,7 +19787,7 @@
                                         <p:tgtEl>
                                           <p:spTgt spid="3">
                                             <p:txEl>
-                                              <p:pRg st="1" end="1"/>
+                                              <p:pRg st="0" end="0"/>
                                             </p:txEl>
                                           </p:spTgt>
                                         </p:tgtEl>
@@ -19758,7 +19836,7 @@
                                         <p:tgtEl>
                                           <p:spTgt spid="3">
                                             <p:txEl>
-                                              <p:pRg st="0" end="0"/>
+                                              <p:pRg st="1" end="1"/>
                                             </p:txEl>
                                           </p:spTgt>
                                         </p:tgtEl>
@@ -19902,7 +19980,7 @@
 </p:sld>
 </file>
 
-<file path=ppt/slides/slide31.xml><?xml version="1.0" encoding="utf-8"?>
+<file path=ppt/slides/slide32.xml><?xml version="1.0" encoding="utf-8"?>
 <p:sld xmlns:a="http://schemas.openxmlformats.org/drawingml/2006/main" xmlns:r="http://schemas.openxmlformats.org/officeDocument/2006/relationships" xmlns:p="http://schemas.openxmlformats.org/presentationml/2006/main">
   <p:cSld>
     <p:spTree>
@@ -20258,7 +20336,7 @@
 </p:sld>
 </file>
 
-<file path=ppt/slides/slide32.xml><?xml version="1.0" encoding="utf-8"?>
+<file path=ppt/slides/slide33.xml><?xml version="1.0" encoding="utf-8"?>
 <p:sld xmlns:a="http://schemas.openxmlformats.org/drawingml/2006/main" xmlns:r="http://schemas.openxmlformats.org/officeDocument/2006/relationships" xmlns:p="http://schemas.openxmlformats.org/presentationml/2006/main">
   <p:cSld>
     <p:spTree>
